--- a/LSTAT2340-metagenomique.pptx
+++ b/LSTAT2340-metagenomique.pptx
@@ -7,12 +7,13 @@
   <p:sldIdLst>
     <p:sldId id="256" r:id="rId2"/>
     <p:sldId id="261" r:id="rId3"/>
-    <p:sldId id="257" r:id="rId4"/>
-    <p:sldId id="258" r:id="rId5"/>
-    <p:sldId id="259" r:id="rId6"/>
-    <p:sldId id="262" r:id="rId7"/>
-    <p:sldId id="263" r:id="rId8"/>
-    <p:sldId id="260" r:id="rId9"/>
+    <p:sldId id="264" r:id="rId4"/>
+    <p:sldId id="257" r:id="rId5"/>
+    <p:sldId id="258" r:id="rId6"/>
+    <p:sldId id="259" r:id="rId7"/>
+    <p:sldId id="262" r:id="rId8"/>
+    <p:sldId id="263" r:id="rId9"/>
+    <p:sldId id="260" r:id="rId10"/>
   </p:sldIdLst>
   <p:sldSz cx="12192000" cy="6858000"/>
   <p:notesSz cx="6858000" cy="9144000"/>
@@ -268,7 +269,7 @@
           <a:p>
             <a:fld id="{8A6DD4CB-3F80-4387-8B30-E13B5A68B2F9}" type="datetimeFigureOut">
               <a:rPr lang="fr-BE" smtClean="0"/>
-              <a:t>15-03-21</a:t>
+              <a:t>15-04-24</a:t>
             </a:fld>
             <a:endParaRPr lang="fr-BE"/>
           </a:p>
@@ -468,7 +469,7 @@
           <a:p>
             <a:fld id="{8A6DD4CB-3F80-4387-8B30-E13B5A68B2F9}" type="datetimeFigureOut">
               <a:rPr lang="fr-BE" smtClean="0"/>
-              <a:t>15-03-21</a:t>
+              <a:t>15-04-24</a:t>
             </a:fld>
             <a:endParaRPr lang="fr-BE"/>
           </a:p>
@@ -678,7 +679,7 @@
           <a:p>
             <a:fld id="{8A6DD4CB-3F80-4387-8B30-E13B5A68B2F9}" type="datetimeFigureOut">
               <a:rPr lang="fr-BE" smtClean="0"/>
-              <a:t>15-03-21</a:t>
+              <a:t>15-04-24</a:t>
             </a:fld>
             <a:endParaRPr lang="fr-BE"/>
           </a:p>
@@ -878,7 +879,7 @@
           <a:p>
             <a:fld id="{8A6DD4CB-3F80-4387-8B30-E13B5A68B2F9}" type="datetimeFigureOut">
               <a:rPr lang="fr-BE" smtClean="0"/>
-              <a:t>15-03-21</a:t>
+              <a:t>15-04-24</a:t>
             </a:fld>
             <a:endParaRPr lang="fr-BE"/>
           </a:p>
@@ -1154,7 +1155,7 @@
           <a:p>
             <a:fld id="{8A6DD4CB-3F80-4387-8B30-E13B5A68B2F9}" type="datetimeFigureOut">
               <a:rPr lang="fr-BE" smtClean="0"/>
-              <a:t>15-03-21</a:t>
+              <a:t>15-04-24</a:t>
             </a:fld>
             <a:endParaRPr lang="fr-BE"/>
           </a:p>
@@ -1422,7 +1423,7 @@
           <a:p>
             <a:fld id="{8A6DD4CB-3F80-4387-8B30-E13B5A68B2F9}" type="datetimeFigureOut">
               <a:rPr lang="fr-BE" smtClean="0"/>
-              <a:t>15-03-21</a:t>
+              <a:t>15-04-24</a:t>
             </a:fld>
             <a:endParaRPr lang="fr-BE"/>
           </a:p>
@@ -1837,7 +1838,7 @@
           <a:p>
             <a:fld id="{8A6DD4CB-3F80-4387-8B30-E13B5A68B2F9}" type="datetimeFigureOut">
               <a:rPr lang="fr-BE" smtClean="0"/>
-              <a:t>15-03-21</a:t>
+              <a:t>15-04-24</a:t>
             </a:fld>
             <a:endParaRPr lang="fr-BE"/>
           </a:p>
@@ -1979,7 +1980,7 @@
           <a:p>
             <a:fld id="{8A6DD4CB-3F80-4387-8B30-E13B5A68B2F9}" type="datetimeFigureOut">
               <a:rPr lang="fr-BE" smtClean="0"/>
-              <a:t>15-03-21</a:t>
+              <a:t>15-04-24</a:t>
             </a:fld>
             <a:endParaRPr lang="fr-BE"/>
           </a:p>
@@ -2092,7 +2093,7 @@
           <a:p>
             <a:fld id="{8A6DD4CB-3F80-4387-8B30-E13B5A68B2F9}" type="datetimeFigureOut">
               <a:rPr lang="fr-BE" smtClean="0"/>
-              <a:t>15-03-21</a:t>
+              <a:t>15-04-24</a:t>
             </a:fld>
             <a:endParaRPr lang="fr-BE"/>
           </a:p>
@@ -2405,7 +2406,7 @@
           <a:p>
             <a:fld id="{8A6DD4CB-3F80-4387-8B30-E13B5A68B2F9}" type="datetimeFigureOut">
               <a:rPr lang="fr-BE" smtClean="0"/>
-              <a:t>15-03-21</a:t>
+              <a:t>15-04-24</a:t>
             </a:fld>
             <a:endParaRPr lang="fr-BE"/>
           </a:p>
@@ -2694,7 +2695,7 @@
           <a:p>
             <a:fld id="{8A6DD4CB-3F80-4387-8B30-E13B5A68B2F9}" type="datetimeFigureOut">
               <a:rPr lang="fr-BE" smtClean="0"/>
-              <a:t>15-03-21</a:t>
+              <a:t>15-04-24</a:t>
             </a:fld>
             <a:endParaRPr lang="fr-BE"/>
           </a:p>
@@ -2937,7 +2938,7 @@
           <a:p>
             <a:fld id="{8A6DD4CB-3F80-4387-8B30-E13B5A68B2F9}" type="datetimeFigureOut">
               <a:rPr lang="fr-BE" smtClean="0"/>
-              <a:t>15-03-21</a:t>
+              <a:t>15-04-24</a:t>
             </a:fld>
             <a:endParaRPr lang="fr-BE"/>
           </a:p>
@@ -3382,9 +3383,26 @@
           </a:bodyPr>
           <a:lstStyle/>
           <a:p>
+            <a:pPr algn="ctr"/>
             <a:r>
               <a:rPr lang="fr-FR" sz="4400" dirty="0"/>
-              <a:t>Analyse de données métagénomiques (ciblées 16s)</a:t>
+              <a:t>Analyse de données métagénomiques (Amplicon </a:t>
+            </a:r>
+            <a:r>
+              <a:rPr lang="fr-FR" sz="4400" dirty="0" err="1"/>
+              <a:t>sequencing</a:t>
+            </a:r>
+            <a:r>
+              <a:rPr lang="fr-FR" sz="4400" dirty="0"/>
+              <a:t> / </a:t>
+            </a:r>
+            <a:r>
+              <a:rPr lang="fr-FR" sz="4400" dirty="0" err="1"/>
+              <a:t>barcoding</a:t>
+            </a:r>
+            <a:r>
+              <a:rPr lang="fr-FR" sz="4400" dirty="0"/>
+              <a:t>)</a:t>
             </a:r>
           </a:p>
           <a:p>
@@ -3397,7 +3415,7 @@
             <a:pPr algn="r"/>
             <a:r>
               <a:rPr lang="fr-FR" sz="2400" dirty="0"/>
-              <a:t>Février 2021</a:t>
+              <a:t>Avril 2024</a:t>
             </a:r>
           </a:p>
           <a:p>
@@ -3559,16 +3577,17 @@
         </p:nvSpPr>
         <p:spPr>
           <a:xfrm>
-            <a:off x="497151" y="0"/>
-            <a:ext cx="11052698" cy="916230"/>
+            <a:off x="1" y="116165"/>
+            <a:ext cx="12191999" cy="916230"/>
           </a:xfrm>
         </p:spPr>
         <p:txBody>
           <a:bodyPr>
-            <a:normAutofit/>
+            <a:normAutofit fontScale="90000"/>
           </a:bodyPr>
           <a:lstStyle/>
           <a:p>
+            <a:pPr algn="ctr"/>
             <a:r>
               <a:rPr lang="en-US" b="1" dirty="0" err="1">
                 <a:solidFill>
@@ -3597,7 +3616,7 @@
                   </a:schemeClr>
                 </a:solidFill>
               </a:rPr>
-              <a:t>biologue</a:t>
+              <a:t>biologique</a:t>
             </a:r>
             <a:r>
               <a:rPr lang="en-US" b="1" dirty="0">
@@ -3607,7 +3626,7 @@
                   </a:schemeClr>
                 </a:solidFill>
               </a:rPr>
-              <a:t>:  Shotgun vs </a:t>
+              <a:t>: </a:t>
             </a:r>
             <a:r>
               <a:rPr lang="en-US" b="1" dirty="0" err="1">
@@ -3627,7 +3646,26 @@
                   </a:schemeClr>
                 </a:solidFill>
               </a:rPr>
-              <a:t> Gene</a:t>
+              <a:t> Gene vs </a:t>
+            </a:r>
+            <a:br>
+              <a:rPr lang="en-US" b="1" dirty="0">
+                <a:solidFill>
+                  <a:schemeClr val="accent1">
+                    <a:lumMod val="50000"/>
+                  </a:schemeClr>
+                </a:solidFill>
+              </a:rPr>
+            </a:br>
+            <a:r>
+              <a:rPr lang="en-US" b="1" dirty="0">
+                <a:solidFill>
+                  <a:schemeClr val="accent1">
+                    <a:lumMod val="50000"/>
+                  </a:schemeClr>
+                </a:solidFill>
+              </a:rPr>
+              <a:t>Shotgun metagenomic</a:t>
             </a:r>
           </a:p>
         </p:txBody>
@@ -3647,8 +3685,8 @@
         </p:blipFill>
         <p:spPr>
           <a:xfrm>
-            <a:off x="1659765" y="1443835"/>
-            <a:ext cx="8856000" cy="5016057"/>
+            <a:off x="1148224" y="1154097"/>
+            <a:ext cx="9367541" cy="5305795"/>
           </a:xfrm>
           <a:prstGeom prst="rect">
             <a:avLst/>
@@ -3792,6 +3830,131 @@
       </p:grpSpPr>
       <p:sp>
         <p:nvSpPr>
+          <p:cNvPr id="4" name="ZoneTexte 3"/>
+          <p:cNvSpPr txBox="1"/>
+          <p:nvPr/>
+        </p:nvSpPr>
+        <p:spPr>
+          <a:xfrm>
+            <a:off x="5244783" y="6377061"/>
+            <a:ext cx="4886559" cy="369332"/>
+          </a:xfrm>
+          <a:prstGeom prst="rect">
+            <a:avLst/>
+          </a:prstGeom>
+          <a:noFill/>
+        </p:spPr>
+        <p:txBody>
+          <a:bodyPr wrap="square" rtlCol="0">
+            <a:spAutoFit/>
+          </a:bodyPr>
+          <a:lstStyle/>
+          <a:p>
+            <a:r>
+              <a:rPr lang="fr-BE" dirty="0">
+                <a:solidFill>
+                  <a:schemeClr val="bg1">
+                    <a:lumMod val="65000"/>
+                  </a:schemeClr>
+                </a:solidFill>
+              </a:rPr>
+              <a:t>Sources: CNRS , INRA</a:t>
+            </a:r>
+          </a:p>
+        </p:txBody>
+      </p:sp>
+      <p:pic>
+        <p:nvPicPr>
+          <p:cNvPr id="6" name="Image 5">
+            <a:extLst>
+              <a:ext uri="{FF2B5EF4-FFF2-40B4-BE49-F238E27FC236}">
+                <a16:creationId xmlns:a16="http://schemas.microsoft.com/office/drawing/2014/main" id="{463F7429-95C6-4BB6-8D47-00601483FB00}"/>
+              </a:ext>
+            </a:extLst>
+          </p:cNvPr>
+          <p:cNvPicPr>
+            <a:picLocks noChangeAspect="1"/>
+          </p:cNvPicPr>
+          <p:nvPr/>
+        </p:nvPicPr>
+        <p:blipFill>
+          <a:blip r:embed="rId2"/>
+          <a:stretch>
+            <a:fillRect/>
+          </a:stretch>
+        </p:blipFill>
+        <p:spPr>
+          <a:xfrm>
+            <a:off x="426804" y="687455"/>
+            <a:ext cx="6866440" cy="5483090"/>
+          </a:xfrm>
+          <a:prstGeom prst="rect">
+            <a:avLst/>
+          </a:prstGeom>
+        </p:spPr>
+      </p:pic>
+      <p:pic>
+        <p:nvPicPr>
+          <p:cNvPr id="9" name="Image 8">
+            <a:extLst>
+              <a:ext uri="{FF2B5EF4-FFF2-40B4-BE49-F238E27FC236}">
+                <a16:creationId xmlns:a16="http://schemas.microsoft.com/office/drawing/2014/main" id="{7F5ED6CA-D539-4A47-8563-4F7F9AC507E7}"/>
+              </a:ext>
+            </a:extLst>
+          </p:cNvPr>
+          <p:cNvPicPr>
+            <a:picLocks noChangeAspect="1"/>
+          </p:cNvPicPr>
+          <p:nvPr/>
+        </p:nvPicPr>
+        <p:blipFill>
+          <a:blip r:embed="rId3"/>
+          <a:stretch>
+            <a:fillRect/>
+          </a:stretch>
+        </p:blipFill>
+        <p:spPr>
+          <a:xfrm>
+            <a:off x="7688063" y="2239295"/>
+            <a:ext cx="4387009" cy="3469046"/>
+          </a:xfrm>
+          <a:prstGeom prst="rect">
+            <a:avLst/>
+          </a:prstGeom>
+        </p:spPr>
+      </p:pic>
+    </p:spTree>
+    <p:extLst>
+      <p:ext uri="{BB962C8B-B14F-4D97-AF65-F5344CB8AC3E}">
+        <p14:creationId xmlns:p14="http://schemas.microsoft.com/office/powerpoint/2010/main" val="715417646"/>
+      </p:ext>
+    </p:extLst>
+  </p:cSld>
+  <p:clrMapOvr>
+    <a:masterClrMapping/>
+  </p:clrMapOvr>
+</p:sld>
+</file>
+
+<file path=ppt/slides/slide4.xml><?xml version="1.0" encoding="utf-8"?>
+<p:sld xmlns:a="http://schemas.openxmlformats.org/drawingml/2006/main" xmlns:r="http://schemas.openxmlformats.org/officeDocument/2006/relationships" xmlns:p="http://schemas.openxmlformats.org/presentationml/2006/main">
+  <p:cSld>
+    <p:spTree>
+      <p:nvGrpSpPr>
+        <p:cNvPr id="1" name=""/>
+        <p:cNvGrpSpPr/>
+        <p:nvPr/>
+      </p:nvGrpSpPr>
+      <p:grpSpPr>
+        <a:xfrm>
+          <a:off x="0" y="0"/>
+          <a:ext cx="0" cy="0"/>
+          <a:chOff x="0" y="0"/>
+          <a:chExt cx="0" cy="0"/>
+        </a:xfrm>
+      </p:grpSpPr>
+      <p:sp>
+        <p:nvSpPr>
           <p:cNvPr id="2" name="Title 1"/>
           <p:cNvSpPr>
             <a:spLocks noGrp="1"/>
@@ -3860,8 +4023,8 @@
         </p:nvSpPr>
         <p:spPr>
           <a:xfrm>
-            <a:off x="1667555" y="1031259"/>
-            <a:ext cx="4300352" cy="5632311"/>
+            <a:off x="504265" y="779003"/>
+            <a:ext cx="4975998" cy="5940088"/>
           </a:xfrm>
           <a:prstGeom prst="rect">
             <a:avLst/>
@@ -3955,16 +4118,15 @@
             </a:pPr>
             <a:r>
               <a:rPr lang="en-US" sz="2000" dirty="0"/>
-              <a:t>Deep amplicon sequencing of 16s </a:t>
-            </a:r>
-            <a:r>
-              <a:rPr lang="en-US" sz="2000" dirty="0" err="1"/>
-              <a:t>rRNA</a:t>
-            </a:r>
-            <a:r>
-              <a:rPr lang="en-US" sz="2000" dirty="0"/>
-              <a:t> gene </a:t>
-            </a:r>
+              <a:t>Deep amplicon sequencing / barcoding of 16s rRNA gene </a:t>
+            </a:r>
+          </a:p>
+          <a:p>
+            <a:pPr marL="285750" indent="-285750">
+              <a:buFont typeface="Arial" panose="020B0604020202020204" pitchFamily="34" charset="0"/>
+              <a:buChar char="•"/>
+            </a:pPr>
+            <a:endParaRPr lang="en-US" sz="2000" dirty="0"/>
           </a:p>
           <a:p>
             <a:pPr marL="285750" indent="-285750">
@@ -5072,1017 +5234,6 @@
 </p:sld>
 </file>
 
-<file path=ppt/slides/slide4.xml><?xml version="1.0" encoding="utf-8"?>
-<p:sld xmlns:a="http://schemas.openxmlformats.org/drawingml/2006/main" xmlns:r="http://schemas.openxmlformats.org/officeDocument/2006/relationships" xmlns:p="http://schemas.openxmlformats.org/presentationml/2006/main">
-  <p:cSld>
-    <p:spTree>
-      <p:nvGrpSpPr>
-        <p:cNvPr id="1" name=""/>
-        <p:cNvGrpSpPr/>
-        <p:nvPr/>
-      </p:nvGrpSpPr>
-      <p:grpSpPr>
-        <a:xfrm>
-          <a:off x="0" y="0"/>
-          <a:ext cx="0" cy="0"/>
-          <a:chOff x="0" y="0"/>
-          <a:chExt cx="0" cy="0"/>
-        </a:xfrm>
-      </p:grpSpPr>
-      <p:sp>
-        <p:nvSpPr>
-          <p:cNvPr id="2" name="Title 1"/>
-          <p:cNvSpPr>
-            <a:spLocks noGrp="1"/>
-          </p:cNvSpPr>
-          <p:nvPr>
-            <p:ph type="title"/>
-          </p:nvPr>
-        </p:nvSpPr>
-        <p:spPr>
-          <a:xfrm>
-            <a:off x="1667555" y="222196"/>
-            <a:ext cx="8229600" cy="458115"/>
-          </a:xfrm>
-        </p:spPr>
-        <p:txBody>
-          <a:bodyPr>
-            <a:noAutofit/>
-          </a:bodyPr>
-          <a:lstStyle/>
-          <a:p>
-            <a:r>
-              <a:rPr lang="en-US" b="1" dirty="0">
-                <a:solidFill>
-                  <a:schemeClr val="accent1">
-                    <a:lumMod val="50000"/>
-                  </a:schemeClr>
-                </a:solidFill>
-              </a:rPr>
-              <a:t>OTUs et identification </a:t>
-            </a:r>
-            <a:r>
-              <a:rPr lang="en-US" b="1" dirty="0" err="1">
-                <a:solidFill>
-                  <a:schemeClr val="accent1">
-                    <a:lumMod val="50000"/>
-                  </a:schemeClr>
-                </a:solidFill>
-              </a:rPr>
-              <a:t>taxonomique</a:t>
-            </a:r>
-            <a:endParaRPr lang="en-US" b="1" dirty="0">
-              <a:solidFill>
-                <a:schemeClr val="accent1">
-                  <a:lumMod val="50000"/>
-                </a:schemeClr>
-              </a:solidFill>
-            </a:endParaRPr>
-          </a:p>
-        </p:txBody>
-      </p:sp>
-      <p:sp>
-        <p:nvSpPr>
-          <p:cNvPr id="7" name="Rectangle 6"/>
-          <p:cNvSpPr/>
-          <p:nvPr/>
-        </p:nvSpPr>
-        <p:spPr>
-          <a:xfrm>
-            <a:off x="1712525" y="4290528"/>
-            <a:ext cx="4212468" cy="400110"/>
-          </a:xfrm>
-          <a:prstGeom prst="rect">
-            <a:avLst/>
-          </a:prstGeom>
-        </p:spPr>
-        <p:txBody>
-          <a:bodyPr wrap="square">
-            <a:spAutoFit/>
-          </a:bodyPr>
-          <a:lstStyle/>
-          <a:p>
-            <a:r>
-              <a:rPr lang="fr-BE" sz="2000" b="1" dirty="0">
-                <a:solidFill>
-                  <a:srgbClr val="0000FF"/>
-                </a:solidFill>
-              </a:rPr>
-              <a:t>=&gt; </a:t>
-            </a:r>
-            <a:r>
-              <a:rPr lang="fr-BE" sz="2000" b="1" dirty="0" err="1">
-                <a:solidFill>
-                  <a:srgbClr val="0000FF"/>
-                </a:solidFill>
-              </a:rPr>
-              <a:t>Generate</a:t>
-            </a:r>
-            <a:r>
-              <a:rPr lang="fr-BE" sz="2000" b="1" dirty="0">
-                <a:solidFill>
-                  <a:srgbClr val="0000FF"/>
-                </a:solidFill>
-              </a:rPr>
-              <a:t> an OTU Table</a:t>
-            </a:r>
-          </a:p>
-        </p:txBody>
-      </p:sp>
-      <p:pic>
-        <p:nvPicPr>
-          <p:cNvPr id="8" name="Image 7"/>
-          <p:cNvPicPr>
-            <a:picLocks noChangeAspect="1"/>
-          </p:cNvPicPr>
-          <p:nvPr/>
-        </p:nvPicPr>
-        <p:blipFill>
-          <a:blip r:embed="rId2" cstate="print">
-            <a:extLst>
-              <a:ext uri="{28A0092B-C50C-407E-A947-70E740481C1C}">
-                <a14:useLocalDpi xmlns:a14="http://schemas.microsoft.com/office/drawing/2010/main" val="0"/>
-              </a:ext>
-            </a:extLst>
-          </a:blip>
-          <a:stretch>
-            <a:fillRect/>
-          </a:stretch>
-        </p:blipFill>
-        <p:spPr>
-          <a:xfrm>
-            <a:off x="1623717" y="2470956"/>
-            <a:ext cx="1951005" cy="984221"/>
-          </a:xfrm>
-          <a:prstGeom prst="rect">
-            <a:avLst/>
-          </a:prstGeom>
-        </p:spPr>
-      </p:pic>
-      <p:pic>
-        <p:nvPicPr>
-          <p:cNvPr id="9" name="Image 8"/>
-          <p:cNvPicPr>
-            <a:picLocks noChangeAspect="1"/>
-          </p:cNvPicPr>
-          <p:nvPr/>
-        </p:nvPicPr>
-        <p:blipFill>
-          <a:blip r:embed="rId3" cstate="print">
-            <a:extLst>
-              <a:ext uri="{28A0092B-C50C-407E-A947-70E740481C1C}">
-                <a14:useLocalDpi xmlns:a14="http://schemas.microsoft.com/office/drawing/2010/main" val="0"/>
-              </a:ext>
-            </a:extLst>
-          </a:blip>
-          <a:stretch>
-            <a:fillRect/>
-          </a:stretch>
-        </p:blipFill>
-        <p:spPr>
-          <a:xfrm>
-            <a:off x="1851977" y="1272271"/>
-            <a:ext cx="1698956" cy="1087795"/>
-          </a:xfrm>
-          <a:prstGeom prst="rect">
-            <a:avLst/>
-          </a:prstGeom>
-        </p:spPr>
-      </p:pic>
-      <p:pic>
-        <p:nvPicPr>
-          <p:cNvPr id="10" name="Image 9"/>
-          <p:cNvPicPr>
-            <a:picLocks noChangeAspect="1"/>
-          </p:cNvPicPr>
-          <p:nvPr/>
-        </p:nvPicPr>
-        <p:blipFill>
-          <a:blip r:embed="rId4">
-            <a:extLst>
-              <a:ext uri="{28A0092B-C50C-407E-A947-70E740481C1C}">
-                <a14:useLocalDpi xmlns:a14="http://schemas.microsoft.com/office/drawing/2010/main" val="0"/>
-              </a:ext>
-            </a:extLst>
-          </a:blip>
-          <a:stretch>
-            <a:fillRect/>
-          </a:stretch>
-        </p:blipFill>
-        <p:spPr>
-          <a:xfrm>
-            <a:off x="6600056" y="1197024"/>
-            <a:ext cx="1656184" cy="1315746"/>
-          </a:xfrm>
-          <a:prstGeom prst="rect">
-            <a:avLst/>
-          </a:prstGeom>
-        </p:spPr>
-      </p:pic>
-      <p:pic>
-        <p:nvPicPr>
-          <p:cNvPr id="11" name="Image 10"/>
-          <p:cNvPicPr>
-            <a:picLocks noChangeAspect="1"/>
-          </p:cNvPicPr>
-          <p:nvPr/>
-        </p:nvPicPr>
-        <p:blipFill>
-          <a:blip r:embed="rId5" cstate="print">
-            <a:extLst>
-              <a:ext uri="{28A0092B-C50C-407E-A947-70E740481C1C}">
-                <a14:useLocalDpi xmlns:a14="http://schemas.microsoft.com/office/drawing/2010/main" val="0"/>
-              </a:ext>
-            </a:extLst>
-          </a:blip>
-          <a:stretch>
-            <a:fillRect/>
-          </a:stretch>
-        </p:blipFill>
-        <p:spPr>
-          <a:xfrm>
-            <a:off x="4223793" y="1291131"/>
-            <a:ext cx="1850025" cy="1192779"/>
-          </a:xfrm>
-          <a:prstGeom prst="rect">
-            <a:avLst/>
-          </a:prstGeom>
-        </p:spPr>
-      </p:pic>
-      <p:pic>
-        <p:nvPicPr>
-          <p:cNvPr id="12" name="Image 11"/>
-          <p:cNvPicPr>
-            <a:picLocks noChangeAspect="1"/>
-          </p:cNvPicPr>
-          <p:nvPr/>
-        </p:nvPicPr>
-        <p:blipFill>
-          <a:blip r:embed="rId6" cstate="print">
-            <a:extLst>
-              <a:ext uri="{28A0092B-C50C-407E-A947-70E740481C1C}">
-                <a14:useLocalDpi xmlns:a14="http://schemas.microsoft.com/office/drawing/2010/main" val="0"/>
-              </a:ext>
-            </a:extLst>
-          </a:blip>
-          <a:stretch>
-            <a:fillRect/>
-          </a:stretch>
-        </p:blipFill>
-        <p:spPr>
-          <a:xfrm>
-            <a:off x="8956162" y="1138425"/>
-            <a:ext cx="1388310" cy="1242448"/>
-          </a:xfrm>
-          <a:prstGeom prst="rect">
-            <a:avLst/>
-          </a:prstGeom>
-        </p:spPr>
-      </p:pic>
-      <p:pic>
-        <p:nvPicPr>
-          <p:cNvPr id="13" name="Image 12"/>
-          <p:cNvPicPr>
-            <a:picLocks noChangeAspect="1"/>
-          </p:cNvPicPr>
-          <p:nvPr/>
-        </p:nvPicPr>
-        <p:blipFill>
-          <a:blip r:embed="rId2" cstate="print">
-            <a:extLst>
-              <a:ext uri="{28A0092B-C50C-407E-A947-70E740481C1C}">
-                <a14:useLocalDpi xmlns:a14="http://schemas.microsoft.com/office/drawing/2010/main" val="0"/>
-              </a:ext>
-            </a:extLst>
-          </a:blip>
-          <a:stretch>
-            <a:fillRect/>
-          </a:stretch>
-        </p:blipFill>
-        <p:spPr>
-          <a:xfrm>
-            <a:off x="4151785" y="2494847"/>
-            <a:ext cx="1951005" cy="984221"/>
-          </a:xfrm>
-          <a:prstGeom prst="rect">
-            <a:avLst/>
-          </a:prstGeom>
-        </p:spPr>
-      </p:pic>
-      <p:pic>
-        <p:nvPicPr>
-          <p:cNvPr id="14" name="Image 13"/>
-          <p:cNvPicPr>
-            <a:picLocks noChangeAspect="1"/>
-          </p:cNvPicPr>
-          <p:nvPr/>
-        </p:nvPicPr>
-        <p:blipFill>
-          <a:blip r:embed="rId2" cstate="print">
-            <a:extLst>
-              <a:ext uri="{28A0092B-C50C-407E-A947-70E740481C1C}">
-                <a14:useLocalDpi xmlns:a14="http://schemas.microsoft.com/office/drawing/2010/main" val="0"/>
-              </a:ext>
-            </a:extLst>
-          </a:blip>
-          <a:stretch>
-            <a:fillRect/>
-          </a:stretch>
-        </p:blipFill>
-        <p:spPr>
-          <a:xfrm>
-            <a:off x="6456041" y="2470956"/>
-            <a:ext cx="1951005" cy="984221"/>
-          </a:xfrm>
-          <a:prstGeom prst="rect">
-            <a:avLst/>
-          </a:prstGeom>
-        </p:spPr>
-      </p:pic>
-      <p:pic>
-        <p:nvPicPr>
-          <p:cNvPr id="15" name="Image 14"/>
-          <p:cNvPicPr>
-            <a:picLocks noChangeAspect="1"/>
-          </p:cNvPicPr>
-          <p:nvPr/>
-        </p:nvPicPr>
-        <p:blipFill>
-          <a:blip r:embed="rId2" cstate="print">
-            <a:extLst>
-              <a:ext uri="{28A0092B-C50C-407E-A947-70E740481C1C}">
-                <a14:useLocalDpi xmlns:a14="http://schemas.microsoft.com/office/drawing/2010/main" val="0"/>
-              </a:ext>
-            </a:extLst>
-          </a:blip>
-          <a:stretch>
-            <a:fillRect/>
-          </a:stretch>
-        </p:blipFill>
-        <p:spPr>
-          <a:xfrm>
-            <a:off x="8628733" y="2494847"/>
-            <a:ext cx="1951005" cy="984221"/>
-          </a:xfrm>
-          <a:prstGeom prst="rect">
-            <a:avLst/>
-          </a:prstGeom>
-        </p:spPr>
-      </p:pic>
-      <p:sp>
-        <p:nvSpPr>
-          <p:cNvPr id="17" name="Flèche vers le bas 16"/>
-          <p:cNvSpPr/>
-          <p:nvPr/>
-        </p:nvSpPr>
-        <p:spPr>
-          <a:xfrm>
-            <a:off x="2599219" y="2182923"/>
-            <a:ext cx="102237" cy="216024"/>
-          </a:xfrm>
-          <a:prstGeom prst="downArrow">
-            <a:avLst/>
-          </a:prstGeom>
-          <a:solidFill>
-            <a:srgbClr val="FF0000"/>
-          </a:solidFill>
-        </p:spPr>
-        <p:style>
-          <a:lnRef idx="2">
-            <a:schemeClr val="accent1">
-              <a:shade val="50000"/>
-            </a:schemeClr>
-          </a:lnRef>
-          <a:fillRef idx="1">
-            <a:schemeClr val="accent1"/>
-          </a:fillRef>
-          <a:effectRef idx="0">
-            <a:schemeClr val="accent1"/>
-          </a:effectRef>
-          <a:fontRef idx="minor">
-            <a:schemeClr val="lt1"/>
-          </a:fontRef>
-        </p:style>
-        <p:txBody>
-          <a:bodyPr rtlCol="0" anchor="ctr"/>
-          <a:lstStyle/>
-          <a:p>
-            <a:pPr algn="ctr"/>
-            <a:endParaRPr lang="en-US"/>
-          </a:p>
-        </p:txBody>
-      </p:sp>
-      <p:sp>
-        <p:nvSpPr>
-          <p:cNvPr id="18" name="Flèche vers le bas 17"/>
-          <p:cNvSpPr/>
-          <p:nvPr/>
-        </p:nvSpPr>
-        <p:spPr>
-          <a:xfrm>
-            <a:off x="5051315" y="2242107"/>
-            <a:ext cx="102237" cy="216024"/>
-          </a:xfrm>
-          <a:prstGeom prst="downArrow">
-            <a:avLst/>
-          </a:prstGeom>
-          <a:solidFill>
-            <a:srgbClr val="FF0000"/>
-          </a:solidFill>
-        </p:spPr>
-        <p:style>
-          <a:lnRef idx="2">
-            <a:schemeClr val="accent1">
-              <a:shade val="50000"/>
-            </a:schemeClr>
-          </a:lnRef>
-          <a:fillRef idx="1">
-            <a:schemeClr val="accent1"/>
-          </a:fillRef>
-          <a:effectRef idx="0">
-            <a:schemeClr val="accent1"/>
-          </a:effectRef>
-          <a:fontRef idx="minor">
-            <a:schemeClr val="lt1"/>
-          </a:fontRef>
-        </p:style>
-        <p:txBody>
-          <a:bodyPr rtlCol="0" anchor="ctr"/>
-          <a:lstStyle/>
-          <a:p>
-            <a:pPr algn="ctr"/>
-            <a:endParaRPr lang="en-US"/>
-          </a:p>
-        </p:txBody>
-      </p:sp>
-      <p:sp>
-        <p:nvSpPr>
-          <p:cNvPr id="19" name="Flèche vers le bas 18"/>
-          <p:cNvSpPr/>
-          <p:nvPr/>
-        </p:nvSpPr>
-        <p:spPr>
-          <a:xfrm>
-            <a:off x="7431543" y="2248271"/>
-            <a:ext cx="102237" cy="216024"/>
-          </a:xfrm>
-          <a:prstGeom prst="downArrow">
-            <a:avLst/>
-          </a:prstGeom>
-          <a:solidFill>
-            <a:srgbClr val="FF0000"/>
-          </a:solidFill>
-        </p:spPr>
-        <p:style>
-          <a:lnRef idx="2">
-            <a:schemeClr val="accent1">
-              <a:shade val="50000"/>
-            </a:schemeClr>
-          </a:lnRef>
-          <a:fillRef idx="1">
-            <a:schemeClr val="accent1"/>
-          </a:fillRef>
-          <a:effectRef idx="0">
-            <a:schemeClr val="accent1"/>
-          </a:effectRef>
-          <a:fontRef idx="minor">
-            <a:schemeClr val="lt1"/>
-          </a:fontRef>
-        </p:style>
-        <p:txBody>
-          <a:bodyPr rtlCol="0" anchor="ctr"/>
-          <a:lstStyle/>
-          <a:p>
-            <a:pPr algn="ctr"/>
-            <a:endParaRPr lang="en-US"/>
-          </a:p>
-        </p:txBody>
-      </p:sp>
-      <p:sp>
-        <p:nvSpPr>
-          <p:cNvPr id="20" name="Flèche vers le bas 19"/>
-          <p:cNvSpPr/>
-          <p:nvPr/>
-        </p:nvSpPr>
-        <p:spPr>
-          <a:xfrm>
-            <a:off x="9604235" y="2248271"/>
-            <a:ext cx="102237" cy="216024"/>
-          </a:xfrm>
-          <a:prstGeom prst="downArrow">
-            <a:avLst/>
-          </a:prstGeom>
-          <a:solidFill>
-            <a:srgbClr val="FF0000"/>
-          </a:solidFill>
-        </p:spPr>
-        <p:style>
-          <a:lnRef idx="2">
-            <a:schemeClr val="accent1">
-              <a:shade val="50000"/>
-            </a:schemeClr>
-          </a:lnRef>
-          <a:fillRef idx="1">
-            <a:schemeClr val="accent1"/>
-          </a:fillRef>
-          <a:effectRef idx="0">
-            <a:schemeClr val="accent1"/>
-          </a:effectRef>
-          <a:fontRef idx="minor">
-            <a:schemeClr val="lt1"/>
-          </a:fontRef>
-        </p:style>
-        <p:txBody>
-          <a:bodyPr rtlCol="0" anchor="ctr"/>
-          <a:lstStyle/>
-          <a:p>
-            <a:pPr algn="ctr"/>
-            <a:endParaRPr lang="en-US"/>
-          </a:p>
-        </p:txBody>
-      </p:sp>
-      <p:pic>
-        <p:nvPicPr>
-          <p:cNvPr id="21" name="Picture 3"/>
-          <p:cNvPicPr>
-            <a:picLocks noChangeAspect="1" noChangeArrowheads="1"/>
-          </p:cNvPicPr>
-          <p:nvPr/>
-        </p:nvPicPr>
-        <p:blipFill>
-          <a:blip r:embed="rId7">
-            <a:extLst>
-              <a:ext uri="{28A0092B-C50C-407E-A947-70E740481C1C}">
-                <a14:useLocalDpi xmlns:a14="http://schemas.microsoft.com/office/drawing/2010/main" val="0"/>
-              </a:ext>
-            </a:extLst>
-          </a:blip>
-          <a:srcRect/>
-          <a:stretch>
-            <a:fillRect/>
-          </a:stretch>
-        </p:blipFill>
-        <p:spPr bwMode="auto">
-          <a:xfrm>
-            <a:off x="1560381" y="3623083"/>
-            <a:ext cx="2043324" cy="504056"/>
-          </a:xfrm>
-          <a:prstGeom prst="rect">
-            <a:avLst/>
-          </a:prstGeom>
-          <a:noFill/>
-          <a:ln>
-            <a:noFill/>
-          </a:ln>
-          <a:extLst>
-            <a:ext uri="{909E8E84-426E-40DD-AFC4-6F175D3DCCD1}">
-              <a14:hiddenFill xmlns:a14="http://schemas.microsoft.com/office/drawing/2010/main">
-                <a:solidFill>
-                  <a:schemeClr val="accent1"/>
-                </a:solidFill>
-              </a14:hiddenFill>
-            </a:ext>
-            <a:ext uri="{91240B29-F687-4F45-9708-019B960494DF}">
-              <a14:hiddenLine xmlns:a14="http://schemas.microsoft.com/office/drawing/2010/main" w="9525">
-                <a:solidFill>
-                  <a:schemeClr val="tx1"/>
-                </a:solidFill>
-                <a:miter lim="800000"/>
-                <a:headEnd/>
-                <a:tailEnd/>
-              </a14:hiddenLine>
-            </a:ext>
-          </a:extLst>
-        </p:spPr>
-      </p:pic>
-      <p:pic>
-        <p:nvPicPr>
-          <p:cNvPr id="22" name="Picture 3"/>
-          <p:cNvPicPr>
-            <a:picLocks noChangeAspect="1" noChangeArrowheads="1"/>
-          </p:cNvPicPr>
-          <p:nvPr/>
-        </p:nvPicPr>
-        <p:blipFill>
-          <a:blip r:embed="rId7">
-            <a:extLst>
-              <a:ext uri="{28A0092B-C50C-407E-A947-70E740481C1C}">
-                <a14:useLocalDpi xmlns:a14="http://schemas.microsoft.com/office/drawing/2010/main" val="0"/>
-              </a:ext>
-            </a:extLst>
-          </a:blip>
-          <a:srcRect/>
-          <a:stretch>
-            <a:fillRect/>
-          </a:stretch>
-        </p:blipFill>
-        <p:spPr bwMode="auto">
-          <a:xfrm>
-            <a:off x="4045773" y="3647090"/>
-            <a:ext cx="2043324" cy="504056"/>
-          </a:xfrm>
-          <a:prstGeom prst="rect">
-            <a:avLst/>
-          </a:prstGeom>
-          <a:noFill/>
-          <a:ln>
-            <a:noFill/>
-          </a:ln>
-          <a:extLst>
-            <a:ext uri="{909E8E84-426E-40DD-AFC4-6F175D3DCCD1}">
-              <a14:hiddenFill xmlns:a14="http://schemas.microsoft.com/office/drawing/2010/main">
-                <a:solidFill>
-                  <a:schemeClr val="accent1"/>
-                </a:solidFill>
-              </a14:hiddenFill>
-            </a:ext>
-            <a:ext uri="{91240B29-F687-4F45-9708-019B960494DF}">
-              <a14:hiddenLine xmlns:a14="http://schemas.microsoft.com/office/drawing/2010/main" w="9525">
-                <a:solidFill>
-                  <a:schemeClr val="tx1"/>
-                </a:solidFill>
-                <a:miter lim="800000"/>
-                <a:headEnd/>
-                <a:tailEnd/>
-              </a14:hiddenLine>
-            </a:ext>
-          </a:extLst>
-        </p:spPr>
-      </p:pic>
-      <p:pic>
-        <p:nvPicPr>
-          <p:cNvPr id="23" name="Picture 3"/>
-          <p:cNvPicPr>
-            <a:picLocks noChangeAspect="1" noChangeArrowheads="1"/>
-          </p:cNvPicPr>
-          <p:nvPr/>
-        </p:nvPicPr>
-        <p:blipFill>
-          <a:blip r:embed="rId7">
-            <a:extLst>
-              <a:ext uri="{28A0092B-C50C-407E-A947-70E740481C1C}">
-                <a14:useLocalDpi xmlns:a14="http://schemas.microsoft.com/office/drawing/2010/main" val="0"/>
-              </a:ext>
-            </a:extLst>
-          </a:blip>
-          <a:srcRect/>
-          <a:stretch>
-            <a:fillRect/>
-          </a:stretch>
-        </p:blipFill>
-        <p:spPr bwMode="auto">
-          <a:xfrm>
-            <a:off x="6456040" y="3636651"/>
-            <a:ext cx="2043324" cy="504056"/>
-          </a:xfrm>
-          <a:prstGeom prst="rect">
-            <a:avLst/>
-          </a:prstGeom>
-          <a:noFill/>
-          <a:ln>
-            <a:noFill/>
-          </a:ln>
-          <a:extLst>
-            <a:ext uri="{909E8E84-426E-40DD-AFC4-6F175D3DCCD1}">
-              <a14:hiddenFill xmlns:a14="http://schemas.microsoft.com/office/drawing/2010/main">
-                <a:solidFill>
-                  <a:schemeClr val="accent1"/>
-                </a:solidFill>
-              </a14:hiddenFill>
-            </a:ext>
-            <a:ext uri="{91240B29-F687-4F45-9708-019B960494DF}">
-              <a14:hiddenLine xmlns:a14="http://schemas.microsoft.com/office/drawing/2010/main" w="9525">
-                <a:solidFill>
-                  <a:schemeClr val="tx1"/>
-                </a:solidFill>
-                <a:miter lim="800000"/>
-                <a:headEnd/>
-                <a:tailEnd/>
-              </a14:hiddenLine>
-            </a:ext>
-          </a:extLst>
-        </p:spPr>
-      </p:pic>
-      <p:pic>
-        <p:nvPicPr>
-          <p:cNvPr id="24" name="Picture 3"/>
-          <p:cNvPicPr>
-            <a:picLocks noChangeAspect="1" noChangeArrowheads="1"/>
-          </p:cNvPicPr>
-          <p:nvPr/>
-        </p:nvPicPr>
-        <p:blipFill>
-          <a:blip r:embed="rId7">
-            <a:extLst>
-              <a:ext uri="{28A0092B-C50C-407E-A947-70E740481C1C}">
-                <a14:useLocalDpi xmlns:a14="http://schemas.microsoft.com/office/drawing/2010/main" val="0"/>
-              </a:ext>
-            </a:extLst>
-          </a:blip>
-          <a:srcRect/>
-          <a:stretch>
-            <a:fillRect/>
-          </a:stretch>
-        </p:blipFill>
-        <p:spPr bwMode="auto">
-          <a:xfrm>
-            <a:off x="8611769" y="3623083"/>
-            <a:ext cx="2043324" cy="504056"/>
-          </a:xfrm>
-          <a:prstGeom prst="rect">
-            <a:avLst/>
-          </a:prstGeom>
-          <a:noFill/>
-          <a:ln>
-            <a:noFill/>
-          </a:ln>
-          <a:extLst>
-            <a:ext uri="{909E8E84-426E-40DD-AFC4-6F175D3DCCD1}">
-              <a14:hiddenFill xmlns:a14="http://schemas.microsoft.com/office/drawing/2010/main">
-                <a:solidFill>
-                  <a:schemeClr val="accent1"/>
-                </a:solidFill>
-              </a14:hiddenFill>
-            </a:ext>
-            <a:ext uri="{91240B29-F687-4F45-9708-019B960494DF}">
-              <a14:hiddenLine xmlns:a14="http://schemas.microsoft.com/office/drawing/2010/main" w="9525">
-                <a:solidFill>
-                  <a:schemeClr val="tx1"/>
-                </a:solidFill>
-                <a:miter lim="800000"/>
-                <a:headEnd/>
-                <a:tailEnd/>
-              </a14:hiddenLine>
-            </a:ext>
-          </a:extLst>
-        </p:spPr>
-      </p:pic>
-      <p:sp>
-        <p:nvSpPr>
-          <p:cNvPr id="25" name="ZoneTexte 24"/>
-          <p:cNvSpPr txBox="1"/>
-          <p:nvPr/>
-        </p:nvSpPr>
-        <p:spPr>
-          <a:xfrm rot="16200000">
-            <a:off x="3123025" y="2778399"/>
-            <a:ext cx="1476164" cy="369332"/>
-          </a:xfrm>
-          <a:prstGeom prst="rect">
-            <a:avLst/>
-          </a:prstGeom>
-          <a:noFill/>
-        </p:spPr>
-        <p:txBody>
-          <a:bodyPr wrap="square" rtlCol="0">
-            <a:spAutoFit/>
-          </a:bodyPr>
-          <a:lstStyle/>
-          <a:p>
-            <a:r>
-              <a:rPr lang="en-US" dirty="0"/>
-              <a:t>100.000 Seq.</a:t>
-            </a:r>
-          </a:p>
-        </p:txBody>
-      </p:sp>
-      <p:sp>
-        <p:nvSpPr>
-          <p:cNvPr id="26" name="ZoneTexte 25"/>
-          <p:cNvSpPr txBox="1"/>
-          <p:nvPr/>
-        </p:nvSpPr>
-        <p:spPr>
-          <a:xfrm>
-            <a:off x="1660216" y="5934670"/>
-            <a:ext cx="8046255" cy="677108"/>
-          </a:xfrm>
-          <a:prstGeom prst="rect">
-            <a:avLst/>
-          </a:prstGeom>
-          <a:noFill/>
-        </p:spPr>
-        <p:txBody>
-          <a:bodyPr wrap="square" rtlCol="0">
-            <a:spAutoFit/>
-          </a:bodyPr>
-          <a:lstStyle/>
-          <a:p>
-            <a:r>
-              <a:rPr lang="en-US" sz="2000" b="1" dirty="0">
-                <a:solidFill>
-                  <a:srgbClr val="0000FF"/>
-                </a:solidFill>
-              </a:rPr>
-              <a:t>=&gt; Taxonomic identification for each OTU using database (</a:t>
-            </a:r>
-            <a:r>
-              <a:rPr lang="en-US" sz="2000" b="1" dirty="0" err="1">
-                <a:solidFill>
-                  <a:srgbClr val="0000FF"/>
-                </a:solidFill>
-              </a:rPr>
-              <a:t>Greengenes</a:t>
-            </a:r>
-            <a:r>
-              <a:rPr lang="en-US" sz="2000" b="1" dirty="0">
-                <a:solidFill>
-                  <a:srgbClr val="0000FF"/>
-                </a:solidFill>
-              </a:rPr>
-              <a:t>)</a:t>
-            </a:r>
-          </a:p>
-          <a:p>
-            <a:endParaRPr lang="en-US" dirty="0"/>
-          </a:p>
-        </p:txBody>
-      </p:sp>
-      <p:pic>
-        <p:nvPicPr>
-          <p:cNvPr id="27" name="Picture 3"/>
-          <p:cNvPicPr>
-            <a:picLocks noChangeAspect="1" noChangeArrowheads="1"/>
-          </p:cNvPicPr>
-          <p:nvPr/>
-        </p:nvPicPr>
-        <p:blipFill>
-          <a:blip r:embed="rId8">
-            <a:extLst>
-              <a:ext uri="{28A0092B-C50C-407E-A947-70E740481C1C}">
-                <a14:useLocalDpi xmlns:a14="http://schemas.microsoft.com/office/drawing/2010/main" val="0"/>
-              </a:ext>
-            </a:extLst>
-          </a:blip>
-          <a:srcRect/>
-          <a:stretch>
-            <a:fillRect/>
-          </a:stretch>
-        </p:blipFill>
-        <p:spPr bwMode="auto">
-          <a:xfrm>
-            <a:off x="1873682" y="6436243"/>
-            <a:ext cx="7449711" cy="328861"/>
-          </a:xfrm>
-          <a:prstGeom prst="rect">
-            <a:avLst/>
-          </a:prstGeom>
-          <a:noFill/>
-          <a:ln>
-            <a:noFill/>
-          </a:ln>
-          <a:extLst>
-            <a:ext uri="{909E8E84-426E-40DD-AFC4-6F175D3DCCD1}">
-              <a14:hiddenFill xmlns:a14="http://schemas.microsoft.com/office/drawing/2010/main">
-                <a:solidFill>
-                  <a:schemeClr val="accent1"/>
-                </a:solidFill>
-              </a14:hiddenFill>
-            </a:ext>
-            <a:ext uri="{91240B29-F687-4F45-9708-019B960494DF}">
-              <a14:hiddenLine xmlns:a14="http://schemas.microsoft.com/office/drawing/2010/main" w="9525">
-                <a:solidFill>
-                  <a:schemeClr val="tx1"/>
-                </a:solidFill>
-                <a:miter lim="800000"/>
-                <a:headEnd/>
-                <a:tailEnd/>
-              </a14:hiddenLine>
-            </a:ext>
-          </a:extLst>
-        </p:spPr>
-      </p:pic>
-      <p:pic>
-        <p:nvPicPr>
-          <p:cNvPr id="28" name="Picture 4"/>
-          <p:cNvPicPr>
-            <a:picLocks noChangeAspect="1" noChangeArrowheads="1"/>
-          </p:cNvPicPr>
-          <p:nvPr/>
-        </p:nvPicPr>
-        <p:blipFill>
-          <a:blip r:embed="rId9">
-            <a:extLst>
-              <a:ext uri="{28A0092B-C50C-407E-A947-70E740481C1C}">
-                <a14:useLocalDpi xmlns:a14="http://schemas.microsoft.com/office/drawing/2010/main" val="0"/>
-              </a:ext>
-            </a:extLst>
-          </a:blip>
-          <a:srcRect/>
-          <a:stretch>
-            <a:fillRect/>
-          </a:stretch>
-        </p:blipFill>
-        <p:spPr bwMode="auto">
-          <a:xfrm>
-            <a:off x="7836974" y="4575635"/>
-            <a:ext cx="2542522" cy="1293373"/>
-          </a:xfrm>
-          <a:prstGeom prst="rect">
-            <a:avLst/>
-          </a:prstGeom>
-          <a:noFill/>
-          <a:ln>
-            <a:noFill/>
-          </a:ln>
-          <a:extLst>
-            <a:ext uri="{909E8E84-426E-40DD-AFC4-6F175D3DCCD1}">
-              <a14:hiddenFill xmlns:a14="http://schemas.microsoft.com/office/drawing/2010/main">
-                <a:solidFill>
-                  <a:schemeClr val="accent1"/>
-                </a:solidFill>
-              </a14:hiddenFill>
-            </a:ext>
-            <a:ext uri="{91240B29-F687-4F45-9708-019B960494DF}">
-              <a14:hiddenLine xmlns:a14="http://schemas.microsoft.com/office/drawing/2010/main" w="9525">
-                <a:solidFill>
-                  <a:schemeClr val="tx1"/>
-                </a:solidFill>
-                <a:miter lim="800000"/>
-                <a:headEnd/>
-                <a:tailEnd/>
-              </a14:hiddenLine>
-            </a:ext>
-          </a:extLst>
-        </p:spPr>
-      </p:pic>
-      <p:pic>
-        <p:nvPicPr>
-          <p:cNvPr id="29" name="Picture 4"/>
-          <p:cNvPicPr>
-            <a:picLocks noChangeAspect="1" noChangeArrowheads="1"/>
-          </p:cNvPicPr>
-          <p:nvPr/>
-        </p:nvPicPr>
-        <p:blipFill>
-          <a:blip r:embed="rId10">
-            <a:extLst>
-              <a:ext uri="{28A0092B-C50C-407E-A947-70E740481C1C}">
-                <a14:useLocalDpi xmlns:a14="http://schemas.microsoft.com/office/drawing/2010/main" val="0"/>
-              </a:ext>
-            </a:extLst>
-          </a:blip>
-          <a:srcRect/>
-          <a:stretch>
-            <a:fillRect/>
-          </a:stretch>
-        </p:blipFill>
-        <p:spPr bwMode="auto">
-          <a:xfrm>
-            <a:off x="1623717" y="4768174"/>
-            <a:ext cx="6105525" cy="962025"/>
-          </a:xfrm>
-          <a:prstGeom prst="rect">
-            <a:avLst/>
-          </a:prstGeom>
-          <a:noFill/>
-          <a:ln>
-            <a:noFill/>
-          </a:ln>
-          <a:effectLst/>
-          <a:extLst>
-            <a:ext uri="{909E8E84-426E-40DD-AFC4-6F175D3DCCD1}">
-              <a14:hiddenFill xmlns:a14="http://schemas.microsoft.com/office/drawing/2010/main">
-                <a:solidFill>
-                  <a:schemeClr val="accent1"/>
-                </a:solidFill>
-              </a14:hiddenFill>
-            </a:ext>
-            <a:ext uri="{91240B29-F687-4F45-9708-019B960494DF}">
-              <a14:hiddenLine xmlns:a14="http://schemas.microsoft.com/office/drawing/2010/main" w="9525">
-                <a:solidFill>
-                  <a:schemeClr val="tx1"/>
-                </a:solidFill>
-                <a:miter lim="800000"/>
-                <a:headEnd/>
-                <a:tailEnd/>
-              </a14:hiddenLine>
-            </a:ext>
-            <a:ext uri="{AF507438-7753-43E0-B8FC-AC1667EBCBE1}">
-              <a14:hiddenEffects xmlns:a14="http://schemas.microsoft.com/office/drawing/2010/main">
-                <a:effectLst>
-                  <a:outerShdw dist="35921" dir="2700000" algn="ctr" rotWithShape="0">
-                    <a:schemeClr val="bg2"/>
-                  </a:outerShdw>
-                </a:effectLst>
-              </a14:hiddenEffects>
-            </a:ext>
-          </a:extLst>
-        </p:spPr>
-      </p:pic>
-    </p:spTree>
-    <p:extLst>
-      <p:ext uri="{BB962C8B-B14F-4D97-AF65-F5344CB8AC3E}">
-        <p14:creationId xmlns:p14="http://schemas.microsoft.com/office/powerpoint/2010/main" val="1019548725"/>
-      </p:ext>
-    </p:extLst>
-  </p:cSld>
-  <p:clrMapOvr>
-    <a:masterClrMapping/>
-  </p:clrMapOvr>
-</p:sld>
-</file>
-
 <file path=ppt/slides/slide5.xml><?xml version="1.0" encoding="utf-8"?>
 <p:sld xmlns:a="http://schemas.openxmlformats.org/drawingml/2006/main" xmlns:r="http://schemas.openxmlformats.org/officeDocument/2006/relationships" xmlns:p="http://schemas.openxmlformats.org/presentationml/2006/main">
   <p:cSld>
@@ -6102,7 +5253,7 @@
       </p:grpSpPr>
       <p:sp>
         <p:nvSpPr>
-          <p:cNvPr id="4" name="Title 1"/>
+          <p:cNvPr id="2" name="Title 1"/>
           <p:cNvSpPr>
             <a:spLocks noGrp="1"/>
           </p:cNvSpPr>
@@ -6123,34 +5274,24 @@
           <a:lstStyle/>
           <a:p>
             <a:r>
-              <a:rPr lang="en-US" b="1" dirty="0" err="1">
+              <a:rPr lang="en-US" b="1" dirty="0">
                 <a:solidFill>
                   <a:schemeClr val="accent1">
                     <a:lumMod val="50000"/>
                   </a:schemeClr>
                 </a:solidFill>
               </a:rPr>
-              <a:t>Analyse</a:t>
-            </a:r>
-            <a:r>
-              <a:rPr lang="en-US" b="1" dirty="0">
+              <a:t>OTUs et identification </a:t>
+            </a:r>
+            <a:r>
+              <a:rPr lang="en-US" b="1" dirty="0" err="1">
                 <a:solidFill>
                   <a:schemeClr val="accent1">
                     <a:lumMod val="50000"/>
                   </a:schemeClr>
                 </a:solidFill>
               </a:rPr>
-              <a:t> bio-</a:t>
-            </a:r>
-            <a:r>
-              <a:rPr lang="en-US" b="1" dirty="0" err="1">
-                <a:solidFill>
-                  <a:schemeClr val="accent1">
-                    <a:lumMod val="50000"/>
-                  </a:schemeClr>
-                </a:solidFill>
-              </a:rPr>
-              <a:t>statistique</a:t>
+              <a:t>taxonomique</a:t>
             </a:r>
             <a:endParaRPr lang="en-US" b="1" dirty="0">
               <a:solidFill>
@@ -6164,262 +5305,117 @@
       </p:sp>
       <p:sp>
         <p:nvSpPr>
-          <p:cNvPr id="18" name="ZoneTexte 17"/>
-          <p:cNvSpPr txBox="1"/>
+          <p:cNvPr id="7" name="Rectangle 6"/>
+          <p:cNvSpPr/>
           <p:nvPr/>
         </p:nvSpPr>
         <p:spPr>
           <a:xfrm>
-            <a:off x="1620870" y="1981135"/>
-            <a:ext cx="9125346" cy="5062924"/>
+            <a:off x="1712525" y="4290528"/>
+            <a:ext cx="4212468" cy="400110"/>
           </a:xfrm>
           <a:prstGeom prst="rect">
             <a:avLst/>
           </a:prstGeom>
-          <a:noFill/>
-        </p:spPr>
-        <p:txBody>
-          <a:bodyPr wrap="square" rtlCol="0">
+        </p:spPr>
+        <p:txBody>
+          <a:bodyPr wrap="square">
             <a:spAutoFit/>
           </a:bodyPr>
           <a:lstStyle/>
           <a:p>
-            <a:endParaRPr lang="en-US" sz="2000" b="1" dirty="0">
-              <a:solidFill>
-                <a:srgbClr val="0000FF"/>
-              </a:solidFill>
-            </a:endParaRPr>
-          </a:p>
-          <a:p>
-            <a:r>
-              <a:rPr lang="en-US" sz="2400" b="1" dirty="0">
+            <a:r>
+              <a:rPr lang="fr-BE" sz="2000" b="1" dirty="0">
                 <a:solidFill>
                   <a:srgbClr val="0000FF"/>
                 </a:solidFill>
               </a:rPr>
-              <a:t>1: Alpha diversity</a:t>
-            </a:r>
-          </a:p>
-          <a:p>
-            <a:endParaRPr lang="en-US" sz="2000" b="1" dirty="0">
-              <a:solidFill>
-                <a:srgbClr val="0000FF"/>
-              </a:solidFill>
-            </a:endParaRPr>
-          </a:p>
-          <a:p>
-            <a:endParaRPr lang="en-US" sz="2000" b="1" dirty="0">
-              <a:solidFill>
-                <a:srgbClr val="0000FF"/>
-              </a:solidFill>
-            </a:endParaRPr>
-          </a:p>
-          <a:p>
-            <a:endParaRPr lang="en-US" sz="2000" b="1" dirty="0">
-              <a:solidFill>
-                <a:srgbClr val="0000FF"/>
-              </a:solidFill>
-            </a:endParaRPr>
-          </a:p>
-          <a:p>
-            <a:endParaRPr lang="en-US" sz="2000" b="1" dirty="0">
-              <a:solidFill>
-                <a:srgbClr val="0000FF"/>
-              </a:solidFill>
-            </a:endParaRPr>
-          </a:p>
-          <a:p>
-            <a:endParaRPr lang="en-US" sz="2000" b="1" dirty="0">
-              <a:solidFill>
-                <a:srgbClr val="0000FF"/>
-              </a:solidFill>
-            </a:endParaRPr>
-          </a:p>
-          <a:p>
-            <a:pPr marL="285750" indent="-285750">
-              <a:buFont typeface="Arial" panose="020B0604020202020204" pitchFamily="34" charset="0"/>
-              <a:buChar char="•"/>
-            </a:pPr>
-            <a:endParaRPr lang="en-US" sz="2000" dirty="0"/>
-          </a:p>
-          <a:p>
-            <a:pPr marL="285750" indent="-285750">
-              <a:buFont typeface="Arial" panose="020B0604020202020204" pitchFamily="34" charset="0"/>
-              <a:buChar char="•"/>
-            </a:pPr>
-            <a:r>
-              <a:rPr lang="en-US" sz="2000" dirty="0"/>
-              <a:t>Richness = Number of OTUs</a:t>
-            </a:r>
-          </a:p>
-          <a:p>
-            <a:pPr marL="285750" indent="-285750">
-              <a:buFont typeface="Arial" panose="020B0604020202020204" pitchFamily="34" charset="0"/>
-              <a:buChar char="•"/>
-            </a:pPr>
-            <a:endParaRPr lang="en-US" sz="2000" dirty="0"/>
-          </a:p>
-          <a:p>
-            <a:pPr marL="285750" indent="-285750">
-              <a:buFont typeface="Arial" panose="020B0604020202020204" pitchFamily="34" charset="0"/>
-              <a:buChar char="•"/>
-            </a:pPr>
-            <a:endParaRPr lang="en-US" sz="2000" dirty="0"/>
-          </a:p>
-          <a:p>
-            <a:pPr marL="285750" indent="-285750">
-              <a:buFont typeface="Arial" panose="020B0604020202020204" pitchFamily="34" charset="0"/>
-              <a:buChar char="•"/>
-            </a:pPr>
-            <a:r>
-              <a:rPr lang="en-US" sz="2000" dirty="0"/>
-              <a:t>Shannon diversity</a:t>
-            </a:r>
-          </a:p>
-          <a:p>
-            <a:pPr marL="285750" indent="-285750">
-              <a:buFont typeface="Arial" panose="020B0604020202020204" pitchFamily="34" charset="0"/>
-              <a:buChar char="•"/>
-            </a:pPr>
-            <a:endParaRPr lang="en-US" sz="2000" dirty="0"/>
-          </a:p>
-          <a:p>
-            <a:pPr marL="285750" indent="-285750">
-              <a:buFont typeface="Arial" panose="020B0604020202020204" pitchFamily="34" charset="0"/>
-              <a:buChar char="•"/>
-            </a:pPr>
-            <a:endParaRPr lang="en-US" sz="2000" dirty="0"/>
-          </a:p>
-          <a:p>
-            <a:pPr marL="285750" indent="-285750">
-              <a:buFont typeface="Arial" panose="020B0604020202020204" pitchFamily="34" charset="0"/>
-              <a:buChar char="•"/>
-            </a:pPr>
-            <a:endParaRPr lang="en-US" sz="2000" dirty="0"/>
-          </a:p>
-          <a:p>
-            <a:pPr lvl="1"/>
-            <a:endParaRPr lang="en-US" sz="1900" dirty="0">
-              <a:solidFill>
-                <a:srgbClr val="0000FF"/>
-              </a:solidFill>
-            </a:endParaRPr>
+              <a:t>=&gt; </a:t>
+            </a:r>
+            <a:r>
+              <a:rPr lang="fr-BE" sz="2000" b="1" dirty="0" err="1">
+                <a:solidFill>
+                  <a:srgbClr val="0000FF"/>
+                </a:solidFill>
+              </a:rPr>
+              <a:t>Generate</a:t>
+            </a:r>
+            <a:r>
+              <a:rPr lang="fr-BE" sz="2000" b="1" dirty="0">
+                <a:solidFill>
+                  <a:srgbClr val="0000FF"/>
+                </a:solidFill>
+              </a:rPr>
+              <a:t> an OTU Table</a:t>
+            </a:r>
           </a:p>
         </p:txBody>
       </p:sp>
       <p:pic>
         <p:nvPicPr>
-          <p:cNvPr id="19" name="Picture 2"/>
+          <p:cNvPr id="8" name="Image 7"/>
           <p:cNvPicPr>
-            <a:picLocks noChangeAspect="1" noChangeArrowheads="1"/>
+            <a:picLocks noChangeAspect="1"/>
           </p:cNvPicPr>
           <p:nvPr/>
         </p:nvPicPr>
         <p:blipFill>
-          <a:blip r:embed="rId2">
+          <a:blip r:embed="rId2" cstate="print">
             <a:extLst>
               <a:ext uri="{28A0092B-C50C-407E-A947-70E740481C1C}">
                 <a14:useLocalDpi xmlns:a14="http://schemas.microsoft.com/office/drawing/2010/main" val="0"/>
               </a:ext>
             </a:extLst>
           </a:blip>
-          <a:srcRect/>
           <a:stretch>
             <a:fillRect/>
           </a:stretch>
         </p:blipFill>
-        <p:spPr bwMode="auto">
-          <a:xfrm>
-            <a:off x="4417456" y="5129898"/>
-            <a:ext cx="2466975" cy="1057275"/>
+        <p:spPr>
+          <a:xfrm>
+            <a:off x="1623717" y="2470956"/>
+            <a:ext cx="1951005" cy="984221"/>
           </a:xfrm>
           <a:prstGeom prst="rect">
             <a:avLst/>
           </a:prstGeom>
-          <a:noFill/>
-          <a:ln>
-            <a:noFill/>
-          </a:ln>
-          <a:extLst>
-            <a:ext uri="{909E8E84-426E-40DD-AFC4-6F175D3DCCD1}">
-              <a14:hiddenFill xmlns:a14="http://schemas.microsoft.com/office/drawing/2010/main">
-                <a:solidFill>
-                  <a:schemeClr val="accent1"/>
-                </a:solidFill>
-              </a14:hiddenFill>
-            </a:ext>
-            <a:ext uri="{91240B29-F687-4F45-9708-019B960494DF}">
-              <a14:hiddenLine xmlns:a14="http://schemas.microsoft.com/office/drawing/2010/main" w="9525">
-                <a:solidFill>
-                  <a:schemeClr val="tx1"/>
-                </a:solidFill>
-                <a:miter lim="800000"/>
-                <a:headEnd/>
-                <a:tailEnd/>
-              </a14:hiddenLine>
-            </a:ext>
-          </a:extLst>
         </p:spPr>
       </p:pic>
       <p:pic>
         <p:nvPicPr>
-          <p:cNvPr id="20" name="Picture 2"/>
+          <p:cNvPr id="9" name="Image 8"/>
           <p:cNvPicPr>
-            <a:picLocks noChangeAspect="1" noChangeArrowheads="1"/>
+            <a:picLocks noChangeAspect="1"/>
           </p:cNvPicPr>
           <p:nvPr/>
         </p:nvPicPr>
         <p:blipFill>
-          <a:blip r:embed="rId3">
+          <a:blip r:embed="rId3" cstate="print">
             <a:extLst>
               <a:ext uri="{28A0092B-C50C-407E-A947-70E740481C1C}">
                 <a14:useLocalDpi xmlns:a14="http://schemas.microsoft.com/office/drawing/2010/main" val="0"/>
               </a:ext>
             </a:extLst>
           </a:blip>
-          <a:srcRect/>
           <a:stretch>
             <a:fillRect/>
           </a:stretch>
         </p:blipFill>
-        <p:spPr bwMode="auto">
-          <a:xfrm>
-            <a:off x="7523166" y="3765024"/>
-            <a:ext cx="685214" cy="626719"/>
+        <p:spPr>
+          <a:xfrm>
+            <a:off x="1851977" y="1272271"/>
+            <a:ext cx="1698956" cy="1087795"/>
           </a:xfrm>
           <a:prstGeom prst="rect">
             <a:avLst/>
           </a:prstGeom>
-          <a:noFill/>
-          <a:ln>
-            <a:noFill/>
-          </a:ln>
-          <a:extLst>
-            <a:ext uri="{909E8E84-426E-40DD-AFC4-6F175D3DCCD1}">
-              <a14:hiddenFill xmlns:a14="http://schemas.microsoft.com/office/drawing/2010/main">
-                <a:solidFill>
-                  <a:schemeClr val="accent1"/>
-                </a:solidFill>
-              </a14:hiddenFill>
-            </a:ext>
-            <a:ext uri="{91240B29-F687-4F45-9708-019B960494DF}">
-              <a14:hiddenLine xmlns:a14="http://schemas.microsoft.com/office/drawing/2010/main" w="9525">
-                <a:solidFill>
-                  <a:schemeClr val="tx1"/>
-                </a:solidFill>
-                <a:miter lim="800000"/>
-                <a:headEnd/>
-                <a:tailEnd/>
-              </a14:hiddenLine>
-            </a:ext>
-          </a:extLst>
         </p:spPr>
       </p:pic>
       <p:pic>
         <p:nvPicPr>
-          <p:cNvPr id="21" name="Picture 3"/>
+          <p:cNvPr id="10" name="Image 9"/>
           <p:cNvPicPr>
-            <a:picLocks noChangeAspect="1" noChangeArrowheads="1"/>
+            <a:picLocks noChangeAspect="1"/>
           </p:cNvPicPr>
           <p:nvPr/>
         </p:nvPicPr>
@@ -6431,49 +5427,25 @@
               </a:ext>
             </a:extLst>
           </a:blip>
-          <a:srcRect/>
           <a:stretch>
             <a:fillRect/>
           </a:stretch>
         </p:blipFill>
-        <p:spPr bwMode="auto">
-          <a:xfrm>
-            <a:off x="8150805" y="3765024"/>
-            <a:ext cx="649769" cy="641437"/>
+        <p:spPr>
+          <a:xfrm>
+            <a:off x="6600056" y="1197024"/>
+            <a:ext cx="1656184" cy="1315746"/>
           </a:xfrm>
           <a:prstGeom prst="rect">
             <a:avLst/>
           </a:prstGeom>
-          <a:noFill/>
-          <a:ln>
-            <a:noFill/>
-          </a:ln>
-          <a:extLst>
-            <a:ext uri="{909E8E84-426E-40DD-AFC4-6F175D3DCCD1}">
-              <a14:hiddenFill xmlns:a14="http://schemas.microsoft.com/office/drawing/2010/main">
-                <a:solidFill>
-                  <a:schemeClr val="accent1"/>
-                </a:solidFill>
-              </a14:hiddenFill>
-            </a:ext>
-            <a:ext uri="{91240B29-F687-4F45-9708-019B960494DF}">
-              <a14:hiddenLine xmlns:a14="http://schemas.microsoft.com/office/drawing/2010/main" w="9525">
-                <a:solidFill>
-                  <a:schemeClr val="tx1"/>
-                </a:solidFill>
-                <a:miter lim="800000"/>
-                <a:headEnd/>
-                <a:tailEnd/>
-              </a14:hiddenLine>
-            </a:ext>
-          </a:extLst>
         </p:spPr>
       </p:pic>
       <p:pic>
         <p:nvPicPr>
-          <p:cNvPr id="22" name="Picture 4"/>
+          <p:cNvPr id="11" name="Image 10"/>
           <p:cNvPicPr>
-            <a:picLocks noChangeAspect="1" noChangeArrowheads="1"/>
+            <a:picLocks noChangeAspect="1"/>
           </p:cNvPicPr>
           <p:nvPr/>
         </p:nvPicPr>
@@ -6485,49 +5457,25 @@
               </a:ext>
             </a:extLst>
           </a:blip>
-          <a:srcRect/>
           <a:stretch>
             <a:fillRect/>
           </a:stretch>
         </p:blipFill>
-        <p:spPr bwMode="auto">
-          <a:xfrm>
-            <a:off x="7494768" y="4391743"/>
-            <a:ext cx="656037" cy="647888"/>
+        <p:spPr>
+          <a:xfrm>
+            <a:off x="4223793" y="1291131"/>
+            <a:ext cx="1850025" cy="1192779"/>
           </a:xfrm>
           <a:prstGeom prst="rect">
             <a:avLst/>
           </a:prstGeom>
-          <a:noFill/>
-          <a:ln>
-            <a:noFill/>
-          </a:ln>
-          <a:extLst>
-            <a:ext uri="{909E8E84-426E-40DD-AFC4-6F175D3DCCD1}">
-              <a14:hiddenFill xmlns:a14="http://schemas.microsoft.com/office/drawing/2010/main">
-                <a:solidFill>
-                  <a:schemeClr val="accent1"/>
-                </a:solidFill>
-              </a14:hiddenFill>
-            </a:ext>
-            <a:ext uri="{91240B29-F687-4F45-9708-019B960494DF}">
-              <a14:hiddenLine xmlns:a14="http://schemas.microsoft.com/office/drawing/2010/main" w="9525">
-                <a:solidFill>
-                  <a:schemeClr val="tx1"/>
-                </a:solidFill>
-                <a:miter lim="800000"/>
-                <a:headEnd/>
-                <a:tailEnd/>
-              </a14:hiddenLine>
-            </a:ext>
-          </a:extLst>
         </p:spPr>
       </p:pic>
       <p:pic>
         <p:nvPicPr>
-          <p:cNvPr id="23" name="Picture 5"/>
+          <p:cNvPr id="12" name="Image 11"/>
           <p:cNvPicPr>
-            <a:picLocks noChangeAspect="1" noChangeArrowheads="1"/>
+            <a:picLocks noChangeAspect="1"/>
           </p:cNvPicPr>
           <p:nvPr/>
         </p:nvPicPr>
@@ -6539,59 +5487,127 @@
               </a:ext>
             </a:extLst>
           </a:blip>
-          <a:srcRect/>
           <a:stretch>
             <a:fillRect/>
           </a:stretch>
         </p:blipFill>
-        <p:spPr bwMode="auto">
-          <a:xfrm>
-            <a:off x="8150804" y="4402269"/>
-            <a:ext cx="661414" cy="637363"/>
+        <p:spPr>
+          <a:xfrm>
+            <a:off x="8956162" y="1138425"/>
+            <a:ext cx="1388310" cy="1242448"/>
           </a:xfrm>
           <a:prstGeom prst="rect">
             <a:avLst/>
           </a:prstGeom>
-          <a:noFill/>
-          <a:ln>
-            <a:noFill/>
-          </a:ln>
-          <a:extLst>
-            <a:ext uri="{909E8E84-426E-40DD-AFC4-6F175D3DCCD1}">
-              <a14:hiddenFill xmlns:a14="http://schemas.microsoft.com/office/drawing/2010/main">
-                <a:solidFill>
-                  <a:schemeClr val="accent1"/>
-                </a:solidFill>
-              </a14:hiddenFill>
-            </a:ext>
-            <a:ext uri="{91240B29-F687-4F45-9708-019B960494DF}">
-              <a14:hiddenLine xmlns:a14="http://schemas.microsoft.com/office/drawing/2010/main" w="9525">
-                <a:solidFill>
-                  <a:schemeClr val="tx1"/>
-                </a:solidFill>
-                <a:miter lim="800000"/>
-                <a:headEnd/>
-                <a:tailEnd/>
-              </a14:hiddenLine>
-            </a:ext>
-          </a:extLst>
         </p:spPr>
       </p:pic>
-      <p:sp>
-        <p:nvSpPr>
-          <p:cNvPr id="24" name="Rectangle à coins arrondis 23"/>
+      <p:pic>
+        <p:nvPicPr>
+          <p:cNvPr id="13" name="Image 12"/>
+          <p:cNvPicPr>
+            <a:picLocks noChangeAspect="1"/>
+          </p:cNvPicPr>
+          <p:nvPr/>
+        </p:nvPicPr>
+        <p:blipFill>
+          <a:blip r:embed="rId2" cstate="print">
+            <a:extLst>
+              <a:ext uri="{28A0092B-C50C-407E-A947-70E740481C1C}">
+                <a14:useLocalDpi xmlns:a14="http://schemas.microsoft.com/office/drawing/2010/main" val="0"/>
+              </a:ext>
+            </a:extLst>
+          </a:blip>
+          <a:stretch>
+            <a:fillRect/>
+          </a:stretch>
+        </p:blipFill>
+        <p:spPr>
+          <a:xfrm>
+            <a:off x="4151785" y="2494847"/>
+            <a:ext cx="1951005" cy="984221"/>
+          </a:xfrm>
+          <a:prstGeom prst="rect">
+            <a:avLst/>
+          </a:prstGeom>
+        </p:spPr>
+      </p:pic>
+      <p:pic>
+        <p:nvPicPr>
+          <p:cNvPr id="14" name="Image 13"/>
+          <p:cNvPicPr>
+            <a:picLocks noChangeAspect="1"/>
+          </p:cNvPicPr>
+          <p:nvPr/>
+        </p:nvPicPr>
+        <p:blipFill>
+          <a:blip r:embed="rId2" cstate="print">
+            <a:extLst>
+              <a:ext uri="{28A0092B-C50C-407E-A947-70E740481C1C}">
+                <a14:useLocalDpi xmlns:a14="http://schemas.microsoft.com/office/drawing/2010/main" val="0"/>
+              </a:ext>
+            </a:extLst>
+          </a:blip>
+          <a:stretch>
+            <a:fillRect/>
+          </a:stretch>
+        </p:blipFill>
+        <p:spPr>
+          <a:xfrm>
+            <a:off x="6456041" y="2470956"/>
+            <a:ext cx="1951005" cy="984221"/>
+          </a:xfrm>
+          <a:prstGeom prst="rect">
+            <a:avLst/>
+          </a:prstGeom>
+        </p:spPr>
+      </p:pic>
+      <p:pic>
+        <p:nvPicPr>
+          <p:cNvPr id="15" name="Image 14"/>
+          <p:cNvPicPr>
+            <a:picLocks noChangeAspect="1"/>
+          </p:cNvPicPr>
+          <p:nvPr/>
+        </p:nvPicPr>
+        <p:blipFill>
+          <a:blip r:embed="rId2" cstate="print">
+            <a:extLst>
+              <a:ext uri="{28A0092B-C50C-407E-A947-70E740481C1C}">
+                <a14:useLocalDpi xmlns:a14="http://schemas.microsoft.com/office/drawing/2010/main" val="0"/>
+              </a:ext>
+            </a:extLst>
+          </a:blip>
+          <a:stretch>
+            <a:fillRect/>
+          </a:stretch>
+        </p:blipFill>
+        <p:spPr>
+          <a:xfrm>
+            <a:off x="8628733" y="2494847"/>
+            <a:ext cx="1951005" cy="984221"/>
+          </a:xfrm>
+          <a:prstGeom prst="rect">
+            <a:avLst/>
+          </a:prstGeom>
+        </p:spPr>
+      </p:pic>
+      <p:sp>
+        <p:nvSpPr>
+          <p:cNvPr id="17" name="Flèche vers le bas 16"/>
           <p:cNvSpPr/>
           <p:nvPr/>
         </p:nvSpPr>
         <p:spPr>
           <a:xfrm>
-            <a:off x="7430245" y="3681057"/>
-            <a:ext cx="1504681" cy="1421373"/>
-          </a:xfrm>
-          <a:prstGeom prst="roundRect">
+            <a:off x="2599219" y="2182923"/>
+            <a:ext cx="102237" cy="216024"/>
+          </a:xfrm>
+          <a:prstGeom prst="downArrow">
             <a:avLst/>
           </a:prstGeom>
-          <a:noFill/>
+          <a:solidFill>
+            <a:srgbClr val="FF0000"/>
+          </a:solidFill>
         </p:spPr>
         <p:style>
           <a:lnRef idx="2">
@@ -6620,156 +5636,21 @@
       </p:sp>
       <p:sp>
         <p:nvSpPr>
-          <p:cNvPr id="25" name="ZoneTexte 24"/>
-          <p:cNvSpPr txBox="1"/>
+          <p:cNvPr id="18" name="Flèche vers le bas 17"/>
+          <p:cNvSpPr/>
           <p:nvPr/>
         </p:nvSpPr>
         <p:spPr>
           <a:xfrm>
-            <a:off x="9222957" y="4071023"/>
-            <a:ext cx="1368152" cy="461665"/>
-          </a:xfrm>
-          <a:prstGeom prst="rect">
+            <a:off x="5051315" y="2242107"/>
+            <a:ext cx="102237" cy="216024"/>
+          </a:xfrm>
+          <a:prstGeom prst="downArrow">
             <a:avLst/>
           </a:prstGeom>
-          <a:noFill/>
-        </p:spPr>
-        <p:txBody>
-          <a:bodyPr wrap="square" rtlCol="0">
-            <a:spAutoFit/>
-          </a:bodyPr>
-          <a:lstStyle/>
-          <a:p>
-            <a:r>
-              <a:rPr lang="en-US" sz="2400" dirty="0"/>
-              <a:t>H’ = 1.38 </a:t>
-            </a:r>
-          </a:p>
-        </p:txBody>
-      </p:sp>
-      <p:pic>
-        <p:nvPicPr>
-          <p:cNvPr id="26" name="Picture 2"/>
-          <p:cNvPicPr>
-            <a:picLocks noChangeAspect="1" noChangeArrowheads="1"/>
-          </p:cNvPicPr>
-          <p:nvPr/>
-        </p:nvPicPr>
-        <p:blipFill>
-          <a:blip r:embed="rId3">
-            <a:extLst>
-              <a:ext uri="{28A0092B-C50C-407E-A947-70E740481C1C}">
-                <a14:useLocalDpi xmlns:a14="http://schemas.microsoft.com/office/drawing/2010/main" val="0"/>
-              </a:ext>
-            </a:extLst>
-          </a:blip>
-          <a:srcRect/>
-          <a:stretch>
-            <a:fillRect/>
-          </a:stretch>
-        </p:blipFill>
-        <p:spPr bwMode="auto">
-          <a:xfrm>
-            <a:off x="7542308" y="5343497"/>
-            <a:ext cx="890996" cy="1212521"/>
-          </a:xfrm>
-          <a:prstGeom prst="rect">
-            <a:avLst/>
-          </a:prstGeom>
-          <a:noFill/>
-          <a:ln>
-            <a:noFill/>
-          </a:ln>
-          <a:extLst>
-            <a:ext uri="{909E8E84-426E-40DD-AFC4-6F175D3DCCD1}">
-              <a14:hiddenFill xmlns:a14="http://schemas.microsoft.com/office/drawing/2010/main">
-                <a:solidFill>
-                  <a:schemeClr val="accent1"/>
-                </a:solidFill>
-              </a14:hiddenFill>
-            </a:ext>
-            <a:ext uri="{91240B29-F687-4F45-9708-019B960494DF}">
-              <a14:hiddenLine xmlns:a14="http://schemas.microsoft.com/office/drawing/2010/main" w="9525">
-                <a:solidFill>
-                  <a:schemeClr val="tx1"/>
-                </a:solidFill>
-                <a:miter lim="800000"/>
-                <a:headEnd/>
-                <a:tailEnd/>
-              </a14:hiddenLine>
-            </a:ext>
-          </a:extLst>
-        </p:spPr>
-      </p:pic>
-      <p:pic>
-        <p:nvPicPr>
-          <p:cNvPr id="27" name="Picture 3"/>
-          <p:cNvPicPr>
-            <a:picLocks noChangeAspect="1" noChangeArrowheads="1"/>
-          </p:cNvPicPr>
-          <p:nvPr/>
-        </p:nvPicPr>
-        <p:blipFill>
-          <a:blip r:embed="rId7" cstate="print">
-            <a:extLst>
-              <a:ext uri="{28A0092B-C50C-407E-A947-70E740481C1C}">
-                <a14:useLocalDpi xmlns:a14="http://schemas.microsoft.com/office/drawing/2010/main" val="0"/>
-              </a:ext>
-            </a:extLst>
-          </a:blip>
-          <a:srcRect/>
-          <a:stretch>
-            <a:fillRect/>
-          </a:stretch>
-        </p:blipFill>
-        <p:spPr bwMode="auto">
-          <a:xfrm>
-            <a:off x="8534608" y="5514450"/>
-            <a:ext cx="281961" cy="278345"/>
-          </a:xfrm>
-          <a:prstGeom prst="rect">
-            <a:avLst/>
-          </a:prstGeom>
-          <a:noFill/>
-          <a:ln>
-            <a:noFill/>
-          </a:ln>
-          <a:extLst>
-            <a:ext uri="{909E8E84-426E-40DD-AFC4-6F175D3DCCD1}">
-              <a14:hiddenFill xmlns:a14="http://schemas.microsoft.com/office/drawing/2010/main">
-                <a:solidFill>
-                  <a:schemeClr val="accent1"/>
-                </a:solidFill>
-              </a14:hiddenFill>
-            </a:ext>
-            <a:ext uri="{91240B29-F687-4F45-9708-019B960494DF}">
-              <a14:hiddenLine xmlns:a14="http://schemas.microsoft.com/office/drawing/2010/main" w="9525">
-                <a:solidFill>
-                  <a:schemeClr val="tx1"/>
-                </a:solidFill>
-                <a:miter lim="800000"/>
-                <a:headEnd/>
-                <a:tailEnd/>
-              </a14:hiddenLine>
-            </a:ext>
-          </a:extLst>
-        </p:spPr>
-      </p:pic>
-      <p:sp>
-        <p:nvSpPr>
-          <p:cNvPr id="28" name="Rectangle à coins arrondis 27"/>
-          <p:cNvSpPr/>
-          <p:nvPr/>
-        </p:nvSpPr>
-        <p:spPr>
-          <a:xfrm>
-            <a:off x="7446240" y="5214433"/>
-            <a:ext cx="1504681" cy="1421373"/>
-          </a:xfrm>
-          <a:prstGeom prst="roundRect">
-            <a:avLst/>
-          </a:prstGeom>
-          <a:noFill/>
+          <a:solidFill>
+            <a:srgbClr val="FF0000"/>
+          </a:solidFill>
         </p:spPr>
         <p:style>
           <a:lnRef idx="2">
@@ -6798,43 +5679,100 @@
       </p:sp>
       <p:sp>
         <p:nvSpPr>
-          <p:cNvPr id="29" name="ZoneTexte 28"/>
-          <p:cNvSpPr txBox="1"/>
+          <p:cNvPr id="19" name="Flèche vers le bas 18"/>
+          <p:cNvSpPr/>
           <p:nvPr/>
         </p:nvSpPr>
         <p:spPr>
           <a:xfrm>
-            <a:off x="9238952" y="5718924"/>
-            <a:ext cx="1368152" cy="461665"/>
-          </a:xfrm>
-          <a:prstGeom prst="rect">
+            <a:off x="7431543" y="2248271"/>
+            <a:ext cx="102237" cy="216024"/>
+          </a:xfrm>
+          <a:prstGeom prst="downArrow">
             <a:avLst/>
           </a:prstGeom>
-          <a:noFill/>
-        </p:spPr>
-        <p:txBody>
-          <a:bodyPr wrap="square" rtlCol="0">
-            <a:spAutoFit/>
-          </a:bodyPr>
+          <a:solidFill>
+            <a:srgbClr val="FF0000"/>
+          </a:solidFill>
+        </p:spPr>
+        <p:style>
+          <a:lnRef idx="2">
+            <a:schemeClr val="accent1">
+              <a:shade val="50000"/>
+            </a:schemeClr>
+          </a:lnRef>
+          <a:fillRef idx="1">
+            <a:schemeClr val="accent1"/>
+          </a:fillRef>
+          <a:effectRef idx="0">
+            <a:schemeClr val="accent1"/>
+          </a:effectRef>
+          <a:fontRef idx="minor">
+            <a:schemeClr val="lt1"/>
+          </a:fontRef>
+        </p:style>
+        <p:txBody>
+          <a:bodyPr rtlCol="0" anchor="ctr"/>
           <a:lstStyle/>
           <a:p>
-            <a:r>
-              <a:rPr lang="en-US" sz="2400" dirty="0"/>
-              <a:t>H’ = 0.56</a:t>
-            </a:r>
+            <a:pPr algn="ctr"/>
+            <a:endParaRPr lang="en-US"/>
+          </a:p>
+        </p:txBody>
+      </p:sp>
+      <p:sp>
+        <p:nvSpPr>
+          <p:cNvPr id="20" name="Flèche vers le bas 19"/>
+          <p:cNvSpPr/>
+          <p:nvPr/>
+        </p:nvSpPr>
+        <p:spPr>
+          <a:xfrm>
+            <a:off x="9604235" y="2248271"/>
+            <a:ext cx="102237" cy="216024"/>
+          </a:xfrm>
+          <a:prstGeom prst="downArrow">
+            <a:avLst/>
+          </a:prstGeom>
+          <a:solidFill>
+            <a:srgbClr val="FF0000"/>
+          </a:solidFill>
+        </p:spPr>
+        <p:style>
+          <a:lnRef idx="2">
+            <a:schemeClr val="accent1">
+              <a:shade val="50000"/>
+            </a:schemeClr>
+          </a:lnRef>
+          <a:fillRef idx="1">
+            <a:schemeClr val="accent1"/>
+          </a:fillRef>
+          <a:effectRef idx="0">
+            <a:schemeClr val="accent1"/>
+          </a:effectRef>
+          <a:fontRef idx="minor">
+            <a:schemeClr val="lt1"/>
+          </a:fontRef>
+        </p:style>
+        <p:txBody>
+          <a:bodyPr rtlCol="0" anchor="ctr"/>
+          <a:lstStyle/>
+          <a:p>
+            <a:pPr algn="ctr"/>
+            <a:endParaRPr lang="en-US"/>
           </a:p>
         </p:txBody>
       </p:sp>
       <p:pic>
         <p:nvPicPr>
-          <p:cNvPr id="30" name="Picture 4"/>
+          <p:cNvPr id="21" name="Picture 3"/>
           <p:cNvPicPr>
             <a:picLocks noChangeAspect="1" noChangeArrowheads="1"/>
           </p:cNvPicPr>
           <p:nvPr/>
         </p:nvPicPr>
         <p:blipFill>
-          <a:blip r:embed="rId8" cstate="print">
+          <a:blip r:embed="rId7">
             <a:extLst>
               <a:ext uri="{28A0092B-C50C-407E-A947-70E740481C1C}">
                 <a14:useLocalDpi xmlns:a14="http://schemas.microsoft.com/office/drawing/2010/main" val="0"/>
@@ -6847,9 +5785,9 @@
           </a:stretch>
         </p:blipFill>
         <p:spPr bwMode="auto">
-          <a:xfrm flipV="1">
-            <a:off x="8521908" y="6018505"/>
-            <a:ext cx="339485" cy="335268"/>
+          <a:xfrm>
+            <a:off x="1560381" y="3623083"/>
+            <a:ext cx="2043324" cy="504056"/>
           </a:xfrm>
           <a:prstGeom prst="rect">
             <a:avLst/>
@@ -6881,7 +5819,304 @@
       </p:pic>
       <p:pic>
         <p:nvPicPr>
-          <p:cNvPr id="31" name="Picture 4"/>
+          <p:cNvPr id="22" name="Picture 3"/>
+          <p:cNvPicPr>
+            <a:picLocks noChangeAspect="1" noChangeArrowheads="1"/>
+          </p:cNvPicPr>
+          <p:nvPr/>
+        </p:nvPicPr>
+        <p:blipFill>
+          <a:blip r:embed="rId7">
+            <a:extLst>
+              <a:ext uri="{28A0092B-C50C-407E-A947-70E740481C1C}">
+                <a14:useLocalDpi xmlns:a14="http://schemas.microsoft.com/office/drawing/2010/main" val="0"/>
+              </a:ext>
+            </a:extLst>
+          </a:blip>
+          <a:srcRect/>
+          <a:stretch>
+            <a:fillRect/>
+          </a:stretch>
+        </p:blipFill>
+        <p:spPr bwMode="auto">
+          <a:xfrm>
+            <a:off x="4045773" y="3647090"/>
+            <a:ext cx="2043324" cy="504056"/>
+          </a:xfrm>
+          <a:prstGeom prst="rect">
+            <a:avLst/>
+          </a:prstGeom>
+          <a:noFill/>
+          <a:ln>
+            <a:noFill/>
+          </a:ln>
+          <a:extLst>
+            <a:ext uri="{909E8E84-426E-40DD-AFC4-6F175D3DCCD1}">
+              <a14:hiddenFill xmlns:a14="http://schemas.microsoft.com/office/drawing/2010/main">
+                <a:solidFill>
+                  <a:schemeClr val="accent1"/>
+                </a:solidFill>
+              </a14:hiddenFill>
+            </a:ext>
+            <a:ext uri="{91240B29-F687-4F45-9708-019B960494DF}">
+              <a14:hiddenLine xmlns:a14="http://schemas.microsoft.com/office/drawing/2010/main" w="9525">
+                <a:solidFill>
+                  <a:schemeClr val="tx1"/>
+                </a:solidFill>
+                <a:miter lim="800000"/>
+                <a:headEnd/>
+                <a:tailEnd/>
+              </a14:hiddenLine>
+            </a:ext>
+          </a:extLst>
+        </p:spPr>
+      </p:pic>
+      <p:pic>
+        <p:nvPicPr>
+          <p:cNvPr id="23" name="Picture 3"/>
+          <p:cNvPicPr>
+            <a:picLocks noChangeAspect="1" noChangeArrowheads="1"/>
+          </p:cNvPicPr>
+          <p:nvPr/>
+        </p:nvPicPr>
+        <p:blipFill>
+          <a:blip r:embed="rId7">
+            <a:extLst>
+              <a:ext uri="{28A0092B-C50C-407E-A947-70E740481C1C}">
+                <a14:useLocalDpi xmlns:a14="http://schemas.microsoft.com/office/drawing/2010/main" val="0"/>
+              </a:ext>
+            </a:extLst>
+          </a:blip>
+          <a:srcRect/>
+          <a:stretch>
+            <a:fillRect/>
+          </a:stretch>
+        </p:blipFill>
+        <p:spPr bwMode="auto">
+          <a:xfrm>
+            <a:off x="6456040" y="3636651"/>
+            <a:ext cx="2043324" cy="504056"/>
+          </a:xfrm>
+          <a:prstGeom prst="rect">
+            <a:avLst/>
+          </a:prstGeom>
+          <a:noFill/>
+          <a:ln>
+            <a:noFill/>
+          </a:ln>
+          <a:extLst>
+            <a:ext uri="{909E8E84-426E-40DD-AFC4-6F175D3DCCD1}">
+              <a14:hiddenFill xmlns:a14="http://schemas.microsoft.com/office/drawing/2010/main">
+                <a:solidFill>
+                  <a:schemeClr val="accent1"/>
+                </a:solidFill>
+              </a14:hiddenFill>
+            </a:ext>
+            <a:ext uri="{91240B29-F687-4F45-9708-019B960494DF}">
+              <a14:hiddenLine xmlns:a14="http://schemas.microsoft.com/office/drawing/2010/main" w="9525">
+                <a:solidFill>
+                  <a:schemeClr val="tx1"/>
+                </a:solidFill>
+                <a:miter lim="800000"/>
+                <a:headEnd/>
+                <a:tailEnd/>
+              </a14:hiddenLine>
+            </a:ext>
+          </a:extLst>
+        </p:spPr>
+      </p:pic>
+      <p:pic>
+        <p:nvPicPr>
+          <p:cNvPr id="24" name="Picture 3"/>
+          <p:cNvPicPr>
+            <a:picLocks noChangeAspect="1" noChangeArrowheads="1"/>
+          </p:cNvPicPr>
+          <p:nvPr/>
+        </p:nvPicPr>
+        <p:blipFill>
+          <a:blip r:embed="rId7">
+            <a:extLst>
+              <a:ext uri="{28A0092B-C50C-407E-A947-70E740481C1C}">
+                <a14:useLocalDpi xmlns:a14="http://schemas.microsoft.com/office/drawing/2010/main" val="0"/>
+              </a:ext>
+            </a:extLst>
+          </a:blip>
+          <a:srcRect/>
+          <a:stretch>
+            <a:fillRect/>
+          </a:stretch>
+        </p:blipFill>
+        <p:spPr bwMode="auto">
+          <a:xfrm>
+            <a:off x="8611769" y="3623083"/>
+            <a:ext cx="2043324" cy="504056"/>
+          </a:xfrm>
+          <a:prstGeom prst="rect">
+            <a:avLst/>
+          </a:prstGeom>
+          <a:noFill/>
+          <a:ln>
+            <a:noFill/>
+          </a:ln>
+          <a:extLst>
+            <a:ext uri="{909E8E84-426E-40DD-AFC4-6F175D3DCCD1}">
+              <a14:hiddenFill xmlns:a14="http://schemas.microsoft.com/office/drawing/2010/main">
+                <a:solidFill>
+                  <a:schemeClr val="accent1"/>
+                </a:solidFill>
+              </a14:hiddenFill>
+            </a:ext>
+            <a:ext uri="{91240B29-F687-4F45-9708-019B960494DF}">
+              <a14:hiddenLine xmlns:a14="http://schemas.microsoft.com/office/drawing/2010/main" w="9525">
+                <a:solidFill>
+                  <a:schemeClr val="tx1"/>
+                </a:solidFill>
+                <a:miter lim="800000"/>
+                <a:headEnd/>
+                <a:tailEnd/>
+              </a14:hiddenLine>
+            </a:ext>
+          </a:extLst>
+        </p:spPr>
+      </p:pic>
+      <p:sp>
+        <p:nvSpPr>
+          <p:cNvPr id="25" name="ZoneTexte 24"/>
+          <p:cNvSpPr txBox="1"/>
+          <p:nvPr/>
+        </p:nvSpPr>
+        <p:spPr>
+          <a:xfrm rot="16200000">
+            <a:off x="3123025" y="2778399"/>
+            <a:ext cx="1476164" cy="369332"/>
+          </a:xfrm>
+          <a:prstGeom prst="rect">
+            <a:avLst/>
+          </a:prstGeom>
+          <a:noFill/>
+        </p:spPr>
+        <p:txBody>
+          <a:bodyPr wrap="square" rtlCol="0">
+            <a:spAutoFit/>
+          </a:bodyPr>
+          <a:lstStyle/>
+          <a:p>
+            <a:r>
+              <a:rPr lang="en-US" dirty="0"/>
+              <a:t>100.000 Seq.</a:t>
+            </a:r>
+          </a:p>
+        </p:txBody>
+      </p:sp>
+      <p:sp>
+        <p:nvSpPr>
+          <p:cNvPr id="26" name="ZoneTexte 25"/>
+          <p:cNvSpPr txBox="1"/>
+          <p:nvPr/>
+        </p:nvSpPr>
+        <p:spPr>
+          <a:xfrm>
+            <a:off x="1660216" y="5934670"/>
+            <a:ext cx="8046255" cy="677108"/>
+          </a:xfrm>
+          <a:prstGeom prst="rect">
+            <a:avLst/>
+          </a:prstGeom>
+          <a:noFill/>
+        </p:spPr>
+        <p:txBody>
+          <a:bodyPr wrap="square" rtlCol="0">
+            <a:spAutoFit/>
+          </a:bodyPr>
+          <a:lstStyle/>
+          <a:p>
+            <a:r>
+              <a:rPr lang="en-US" sz="2000" b="1" dirty="0">
+                <a:solidFill>
+                  <a:srgbClr val="0000FF"/>
+                </a:solidFill>
+              </a:rPr>
+              <a:t>=&gt; Taxonomic identification for each OTU using database (</a:t>
+            </a:r>
+            <a:r>
+              <a:rPr lang="en-US" sz="2000" b="1" dirty="0" err="1">
+                <a:solidFill>
+                  <a:srgbClr val="0000FF"/>
+                </a:solidFill>
+              </a:rPr>
+              <a:t>Greengenes</a:t>
+            </a:r>
+            <a:r>
+              <a:rPr lang="en-US" sz="2000" b="1" dirty="0">
+                <a:solidFill>
+                  <a:srgbClr val="0000FF"/>
+                </a:solidFill>
+              </a:rPr>
+              <a:t>)</a:t>
+            </a:r>
+          </a:p>
+          <a:p>
+            <a:endParaRPr lang="en-US" dirty="0"/>
+          </a:p>
+        </p:txBody>
+      </p:sp>
+      <p:pic>
+        <p:nvPicPr>
+          <p:cNvPr id="27" name="Picture 3"/>
+          <p:cNvPicPr>
+            <a:picLocks noChangeAspect="1" noChangeArrowheads="1"/>
+          </p:cNvPicPr>
+          <p:nvPr/>
+        </p:nvPicPr>
+        <p:blipFill>
+          <a:blip r:embed="rId8">
+            <a:extLst>
+              <a:ext uri="{28A0092B-C50C-407E-A947-70E740481C1C}">
+                <a14:useLocalDpi xmlns:a14="http://schemas.microsoft.com/office/drawing/2010/main" val="0"/>
+              </a:ext>
+            </a:extLst>
+          </a:blip>
+          <a:srcRect/>
+          <a:stretch>
+            <a:fillRect/>
+          </a:stretch>
+        </p:blipFill>
+        <p:spPr bwMode="auto">
+          <a:xfrm>
+            <a:off x="1873682" y="6436243"/>
+            <a:ext cx="7449711" cy="328861"/>
+          </a:xfrm>
+          <a:prstGeom prst="rect">
+            <a:avLst/>
+          </a:prstGeom>
+          <a:noFill/>
+          <a:ln>
+            <a:noFill/>
+          </a:ln>
+          <a:extLst>
+            <a:ext uri="{909E8E84-426E-40DD-AFC4-6F175D3DCCD1}">
+              <a14:hiddenFill xmlns:a14="http://schemas.microsoft.com/office/drawing/2010/main">
+                <a:solidFill>
+                  <a:schemeClr val="accent1"/>
+                </a:solidFill>
+              </a14:hiddenFill>
+            </a:ext>
+            <a:ext uri="{91240B29-F687-4F45-9708-019B960494DF}">
+              <a14:hiddenLine xmlns:a14="http://schemas.microsoft.com/office/drawing/2010/main" w="9525">
+                <a:solidFill>
+                  <a:schemeClr val="tx1"/>
+                </a:solidFill>
+                <a:miter lim="800000"/>
+                <a:headEnd/>
+                <a:tailEnd/>
+              </a14:hiddenLine>
+            </a:ext>
+          </a:extLst>
+        </p:spPr>
+      </p:pic>
+      <p:pic>
+        <p:nvPicPr>
+          <p:cNvPr id="28" name="Picture 4"/>
           <p:cNvPicPr>
             <a:picLocks noChangeAspect="1" noChangeArrowheads="1"/>
           </p:cNvPicPr>
@@ -6902,8 +6137,62 @@
         </p:blipFill>
         <p:spPr bwMode="auto">
           <a:xfrm>
-            <a:off x="1665653" y="2815128"/>
-            <a:ext cx="5735804" cy="903769"/>
+            <a:off x="7836974" y="4575635"/>
+            <a:ext cx="2542522" cy="1293373"/>
+          </a:xfrm>
+          <a:prstGeom prst="rect">
+            <a:avLst/>
+          </a:prstGeom>
+          <a:noFill/>
+          <a:ln>
+            <a:noFill/>
+          </a:ln>
+          <a:extLst>
+            <a:ext uri="{909E8E84-426E-40DD-AFC4-6F175D3DCCD1}">
+              <a14:hiddenFill xmlns:a14="http://schemas.microsoft.com/office/drawing/2010/main">
+                <a:solidFill>
+                  <a:schemeClr val="accent1"/>
+                </a:solidFill>
+              </a14:hiddenFill>
+            </a:ext>
+            <a:ext uri="{91240B29-F687-4F45-9708-019B960494DF}">
+              <a14:hiddenLine xmlns:a14="http://schemas.microsoft.com/office/drawing/2010/main" w="9525">
+                <a:solidFill>
+                  <a:schemeClr val="tx1"/>
+                </a:solidFill>
+                <a:miter lim="800000"/>
+                <a:headEnd/>
+                <a:tailEnd/>
+              </a14:hiddenLine>
+            </a:ext>
+          </a:extLst>
+        </p:spPr>
+      </p:pic>
+      <p:pic>
+        <p:nvPicPr>
+          <p:cNvPr id="29" name="Picture 4"/>
+          <p:cNvPicPr>
+            <a:picLocks noChangeAspect="1" noChangeArrowheads="1"/>
+          </p:cNvPicPr>
+          <p:nvPr/>
+        </p:nvPicPr>
+        <p:blipFill>
+          <a:blip r:embed="rId10">
+            <a:extLst>
+              <a:ext uri="{28A0092B-C50C-407E-A947-70E740481C1C}">
+                <a14:useLocalDpi xmlns:a14="http://schemas.microsoft.com/office/drawing/2010/main" val="0"/>
+              </a:ext>
+            </a:extLst>
+          </a:blip>
+          <a:srcRect/>
+          <a:stretch>
+            <a:fillRect/>
+          </a:stretch>
+        </p:blipFill>
+        <p:spPr bwMode="auto">
+          <a:xfrm>
+            <a:off x="1623717" y="4768174"/>
+            <a:ext cx="6105525" cy="962025"/>
           </a:xfrm>
           <a:prstGeom prst="rect">
             <a:avLst/>
@@ -6946,7 +6235,7 @@
     </p:spTree>
     <p:extLst>
       <p:ext uri="{BB962C8B-B14F-4D97-AF65-F5344CB8AC3E}">
-        <p14:creationId xmlns:p14="http://schemas.microsoft.com/office/powerpoint/2010/main" val="290790795"/>
+        <p14:creationId xmlns:p14="http://schemas.microsoft.com/office/powerpoint/2010/main" val="1019548725"/>
       </p:ext>
     </p:extLst>
   </p:cSld>
@@ -6975,14 +6264,76 @@
       </p:grpSpPr>
       <p:sp>
         <p:nvSpPr>
-          <p:cNvPr id="4" name="ZoneTexte 3"/>
+          <p:cNvPr id="4" name="Title 1"/>
+          <p:cNvSpPr>
+            <a:spLocks noGrp="1"/>
+          </p:cNvSpPr>
+          <p:nvPr>
+            <p:ph type="title"/>
+          </p:nvPr>
+        </p:nvSpPr>
+        <p:spPr>
+          <a:xfrm>
+            <a:off x="1667555" y="222196"/>
+            <a:ext cx="8229600" cy="458115"/>
+          </a:xfrm>
+        </p:spPr>
+        <p:txBody>
+          <a:bodyPr>
+            <a:noAutofit/>
+          </a:bodyPr>
+          <a:lstStyle/>
+          <a:p>
+            <a:r>
+              <a:rPr lang="en-US" b="1" dirty="0" err="1">
+                <a:solidFill>
+                  <a:schemeClr val="accent1">
+                    <a:lumMod val="50000"/>
+                  </a:schemeClr>
+                </a:solidFill>
+              </a:rPr>
+              <a:t>Analyse</a:t>
+            </a:r>
+            <a:r>
+              <a:rPr lang="en-US" b="1" dirty="0">
+                <a:solidFill>
+                  <a:schemeClr val="accent1">
+                    <a:lumMod val="50000"/>
+                  </a:schemeClr>
+                </a:solidFill>
+              </a:rPr>
+              <a:t> bio-</a:t>
+            </a:r>
+            <a:r>
+              <a:rPr lang="en-US" b="1" dirty="0" err="1">
+                <a:solidFill>
+                  <a:schemeClr val="accent1">
+                    <a:lumMod val="50000"/>
+                  </a:schemeClr>
+                </a:solidFill>
+              </a:rPr>
+              <a:t>statistique</a:t>
+            </a:r>
+            <a:endParaRPr lang="en-US" b="1" dirty="0">
+              <a:solidFill>
+                <a:schemeClr val="accent1">
+                  <a:lumMod val="50000"/>
+                </a:schemeClr>
+              </a:solidFill>
+            </a:endParaRPr>
+          </a:p>
+        </p:txBody>
+      </p:sp>
+      <p:sp>
+        <p:nvSpPr>
+          <p:cNvPr id="18" name="ZoneTexte 17"/>
           <p:cNvSpPr txBox="1"/>
           <p:nvPr/>
         </p:nvSpPr>
         <p:spPr>
           <a:xfrm>
-            <a:off x="1577735" y="1838629"/>
-            <a:ext cx="8725494" cy="4770537"/>
+            <a:off x="781687" y="1187435"/>
+            <a:ext cx="9125346" cy="5678478"/>
           </a:xfrm>
           <a:prstGeom prst="rect">
             <a:avLst/>
@@ -6994,32 +6345,6 @@
             <a:spAutoFit/>
           </a:bodyPr>
           <a:lstStyle/>
-          <a:p>
-            <a:r>
-              <a:rPr lang="en-US" sz="2400" b="1" dirty="0">
-                <a:solidFill>
-                  <a:srgbClr val="0000FF"/>
-                </a:solidFill>
-              </a:rPr>
-              <a:t>2: Beta diversity (</a:t>
-            </a:r>
-            <a:r>
-              <a:rPr lang="en-US" sz="2400" b="1" dirty="0" err="1">
-                <a:solidFill>
-                  <a:srgbClr val="0000FF"/>
-                </a:solidFill>
-              </a:rPr>
-              <a:t>Unifrac</a:t>
-            </a:r>
-            <a:r>
-              <a:rPr lang="en-US" sz="2400" b="1" dirty="0">
-                <a:solidFill>
-                  <a:srgbClr val="0000FF"/>
-                </a:solidFill>
-              </a:rPr>
-              <a:t> analysis)</a:t>
-            </a:r>
-          </a:p>
           <a:p>
             <a:endParaRPr lang="en-US" sz="2000" b="1" dirty="0">
               <a:solidFill>
@@ -7028,6 +6353,16 @@
             </a:endParaRPr>
           </a:p>
           <a:p>
+            <a:r>
+              <a:rPr lang="en-US" sz="2400" b="1" dirty="0">
+                <a:solidFill>
+                  <a:srgbClr val="0000FF"/>
+                </a:solidFill>
+              </a:rPr>
+              <a:t>1: Alpha diversity</a:t>
+            </a:r>
+          </a:p>
+          <a:p>
             <a:endParaRPr lang="en-US" sz="2000" b="1" dirty="0">
               <a:solidFill>
                 <a:srgbClr val="0000FF"/>
@@ -7063,66 +6398,94 @@
             </a:endParaRPr>
           </a:p>
           <a:p>
-            <a:endParaRPr lang="en-US" sz="2000" b="1" dirty="0">
+            <a:pPr marL="285750" indent="-285750">
+              <a:buFont typeface="Arial" panose="020B0604020202020204" pitchFamily="34" charset="0"/>
+              <a:buChar char="•"/>
+            </a:pPr>
+            <a:endParaRPr lang="en-US" sz="2000" dirty="0"/>
+          </a:p>
+          <a:p>
+            <a:pPr marL="285750" indent="-285750">
+              <a:buFont typeface="Arial" panose="020B0604020202020204" pitchFamily="34" charset="0"/>
+              <a:buChar char="•"/>
+            </a:pPr>
+            <a:r>
+              <a:rPr lang="en-US" sz="2000" dirty="0"/>
+              <a:t>Richness = Number of OTUs</a:t>
+            </a:r>
+          </a:p>
+          <a:p>
+            <a:pPr marL="285750" indent="-285750">
+              <a:buFont typeface="Arial" panose="020B0604020202020204" pitchFamily="34" charset="0"/>
+              <a:buChar char="•"/>
+            </a:pPr>
+            <a:endParaRPr lang="fr-FR" sz="2000" dirty="0"/>
+          </a:p>
+          <a:p>
+            <a:pPr marL="285750" indent="-285750">
+              <a:buFont typeface="Arial" panose="020B0604020202020204" pitchFamily="34" charset="0"/>
+              <a:buChar char="•"/>
+            </a:pPr>
+            <a:endParaRPr lang="fr-FR" sz="2000" dirty="0"/>
+          </a:p>
+          <a:p>
+            <a:pPr marL="285750" indent="-285750">
+              <a:buFont typeface="Arial" panose="020B0604020202020204" pitchFamily="34" charset="0"/>
+              <a:buChar char="•"/>
+            </a:pPr>
+            <a:endParaRPr lang="en-US" sz="2000" dirty="0"/>
+          </a:p>
+          <a:p>
+            <a:pPr marL="285750" indent="-285750">
+              <a:buFont typeface="Arial" panose="020B0604020202020204" pitchFamily="34" charset="0"/>
+              <a:buChar char="•"/>
+            </a:pPr>
+            <a:endParaRPr lang="en-US" sz="2000" dirty="0"/>
+          </a:p>
+          <a:p>
+            <a:pPr marL="285750" indent="-285750">
+              <a:buFont typeface="Arial" panose="020B0604020202020204" pitchFamily="34" charset="0"/>
+              <a:buChar char="•"/>
+            </a:pPr>
+            <a:r>
+              <a:rPr lang="en-US" sz="2000" dirty="0"/>
+              <a:t>Shannon diversity</a:t>
+            </a:r>
+          </a:p>
+          <a:p>
+            <a:pPr marL="285750" indent="-285750">
+              <a:buFont typeface="Arial" panose="020B0604020202020204" pitchFamily="34" charset="0"/>
+              <a:buChar char="•"/>
+            </a:pPr>
+            <a:endParaRPr lang="en-US" sz="2000" dirty="0"/>
+          </a:p>
+          <a:p>
+            <a:pPr marL="285750" indent="-285750">
+              <a:buFont typeface="Arial" panose="020B0604020202020204" pitchFamily="34" charset="0"/>
+              <a:buChar char="•"/>
+            </a:pPr>
+            <a:endParaRPr lang="en-US" sz="2000" dirty="0"/>
+          </a:p>
+          <a:p>
+            <a:pPr marL="285750" indent="-285750">
+              <a:buFont typeface="Arial" panose="020B0604020202020204" pitchFamily="34" charset="0"/>
+              <a:buChar char="•"/>
+            </a:pPr>
+            <a:endParaRPr lang="en-US" sz="2000" dirty="0"/>
+          </a:p>
+          <a:p>
+            <a:pPr lvl="1"/>
+            <a:endParaRPr lang="en-US" sz="1900" dirty="0">
               <a:solidFill>
                 <a:srgbClr val="0000FF"/>
               </a:solidFill>
             </a:endParaRPr>
           </a:p>
-          <a:p>
-            <a:endParaRPr lang="en-US" sz="2000" b="1" dirty="0">
-              <a:solidFill>
-                <a:srgbClr val="0000FF"/>
-              </a:solidFill>
-            </a:endParaRPr>
-          </a:p>
-          <a:p>
-            <a:endParaRPr lang="en-US" sz="2000" b="1" dirty="0">
-              <a:solidFill>
-                <a:srgbClr val="0000FF"/>
-              </a:solidFill>
-            </a:endParaRPr>
-          </a:p>
-          <a:p>
-            <a:endParaRPr lang="en-US" sz="2000" b="1" dirty="0">
-              <a:solidFill>
-                <a:srgbClr val="0000FF"/>
-              </a:solidFill>
-            </a:endParaRPr>
-          </a:p>
-          <a:p>
-            <a:endParaRPr lang="en-US" sz="2000" b="1" dirty="0">
-              <a:solidFill>
-                <a:srgbClr val="0000FF"/>
-              </a:solidFill>
-            </a:endParaRPr>
-          </a:p>
-          <a:p>
-            <a:endParaRPr lang="en-US" sz="2000" b="1" dirty="0">
-              <a:solidFill>
-                <a:srgbClr val="0000FF"/>
-              </a:solidFill>
-            </a:endParaRPr>
-          </a:p>
-          <a:p>
-            <a:endParaRPr lang="en-US" sz="2000" b="1" dirty="0">
-              <a:solidFill>
-                <a:srgbClr val="0000FF"/>
-              </a:solidFill>
-            </a:endParaRPr>
-          </a:p>
-          <a:p>
-            <a:endParaRPr lang="en-US" sz="2000" b="1" dirty="0">
-              <a:solidFill>
-                <a:srgbClr val="0000FF"/>
-              </a:solidFill>
-            </a:endParaRPr>
-          </a:p>
         </p:txBody>
       </p:sp>
       <p:pic>
         <p:nvPicPr>
-          <p:cNvPr id="5" name="Picture 4"/>
+          <p:cNvPr id="19" name="Picture 2"/>
           <p:cNvPicPr>
             <a:picLocks noChangeAspect="1" noChangeArrowheads="1"/>
           </p:cNvPicPr>
@@ -7143,8 +6506,580 @@
         </p:blipFill>
         <p:spPr bwMode="auto">
           <a:xfrm>
-            <a:off x="1933222" y="2357117"/>
-            <a:ext cx="6105525" cy="962025"/>
+            <a:off x="4023153" y="4892481"/>
+            <a:ext cx="2466975" cy="1057275"/>
+          </a:xfrm>
+          <a:prstGeom prst="rect">
+            <a:avLst/>
+          </a:prstGeom>
+          <a:noFill/>
+          <a:ln>
+            <a:noFill/>
+          </a:ln>
+          <a:extLst>
+            <a:ext uri="{909E8E84-426E-40DD-AFC4-6F175D3DCCD1}">
+              <a14:hiddenFill xmlns:a14="http://schemas.microsoft.com/office/drawing/2010/main">
+                <a:solidFill>
+                  <a:schemeClr val="accent1"/>
+                </a:solidFill>
+              </a14:hiddenFill>
+            </a:ext>
+            <a:ext uri="{91240B29-F687-4F45-9708-019B960494DF}">
+              <a14:hiddenLine xmlns:a14="http://schemas.microsoft.com/office/drawing/2010/main" w="9525">
+                <a:solidFill>
+                  <a:schemeClr val="tx1"/>
+                </a:solidFill>
+                <a:miter lim="800000"/>
+                <a:headEnd/>
+                <a:tailEnd/>
+              </a14:hiddenLine>
+            </a:ext>
+          </a:extLst>
+        </p:spPr>
+      </p:pic>
+      <p:pic>
+        <p:nvPicPr>
+          <p:cNvPr id="20" name="Picture 2"/>
+          <p:cNvPicPr>
+            <a:picLocks noChangeAspect="1" noChangeArrowheads="1"/>
+          </p:cNvPicPr>
+          <p:nvPr/>
+        </p:nvPicPr>
+        <p:blipFill>
+          <a:blip r:embed="rId3">
+            <a:extLst>
+              <a:ext uri="{28A0092B-C50C-407E-A947-70E740481C1C}">
+                <a14:useLocalDpi xmlns:a14="http://schemas.microsoft.com/office/drawing/2010/main" val="0"/>
+              </a:ext>
+            </a:extLst>
+          </a:blip>
+          <a:srcRect/>
+          <a:stretch>
+            <a:fillRect/>
+          </a:stretch>
+        </p:blipFill>
+        <p:spPr bwMode="auto">
+          <a:xfrm>
+            <a:off x="6946117" y="3569715"/>
+            <a:ext cx="685214" cy="626719"/>
+          </a:xfrm>
+          <a:prstGeom prst="rect">
+            <a:avLst/>
+          </a:prstGeom>
+          <a:noFill/>
+          <a:ln>
+            <a:noFill/>
+          </a:ln>
+          <a:extLst>
+            <a:ext uri="{909E8E84-426E-40DD-AFC4-6F175D3DCCD1}">
+              <a14:hiddenFill xmlns:a14="http://schemas.microsoft.com/office/drawing/2010/main">
+                <a:solidFill>
+                  <a:schemeClr val="accent1"/>
+                </a:solidFill>
+              </a14:hiddenFill>
+            </a:ext>
+            <a:ext uri="{91240B29-F687-4F45-9708-019B960494DF}">
+              <a14:hiddenLine xmlns:a14="http://schemas.microsoft.com/office/drawing/2010/main" w="9525">
+                <a:solidFill>
+                  <a:schemeClr val="tx1"/>
+                </a:solidFill>
+                <a:miter lim="800000"/>
+                <a:headEnd/>
+                <a:tailEnd/>
+              </a14:hiddenLine>
+            </a:ext>
+          </a:extLst>
+        </p:spPr>
+      </p:pic>
+      <p:pic>
+        <p:nvPicPr>
+          <p:cNvPr id="21" name="Picture 3"/>
+          <p:cNvPicPr>
+            <a:picLocks noChangeAspect="1" noChangeArrowheads="1"/>
+          </p:cNvPicPr>
+          <p:nvPr/>
+        </p:nvPicPr>
+        <p:blipFill>
+          <a:blip r:embed="rId4">
+            <a:extLst>
+              <a:ext uri="{28A0092B-C50C-407E-A947-70E740481C1C}">
+                <a14:useLocalDpi xmlns:a14="http://schemas.microsoft.com/office/drawing/2010/main" val="0"/>
+              </a:ext>
+            </a:extLst>
+          </a:blip>
+          <a:srcRect/>
+          <a:stretch>
+            <a:fillRect/>
+          </a:stretch>
+        </p:blipFill>
+        <p:spPr bwMode="auto">
+          <a:xfrm>
+            <a:off x="7573756" y="3569715"/>
+            <a:ext cx="649769" cy="641437"/>
+          </a:xfrm>
+          <a:prstGeom prst="rect">
+            <a:avLst/>
+          </a:prstGeom>
+          <a:noFill/>
+          <a:ln>
+            <a:noFill/>
+          </a:ln>
+          <a:extLst>
+            <a:ext uri="{909E8E84-426E-40DD-AFC4-6F175D3DCCD1}">
+              <a14:hiddenFill xmlns:a14="http://schemas.microsoft.com/office/drawing/2010/main">
+                <a:solidFill>
+                  <a:schemeClr val="accent1"/>
+                </a:solidFill>
+              </a14:hiddenFill>
+            </a:ext>
+            <a:ext uri="{91240B29-F687-4F45-9708-019B960494DF}">
+              <a14:hiddenLine xmlns:a14="http://schemas.microsoft.com/office/drawing/2010/main" w="9525">
+                <a:solidFill>
+                  <a:schemeClr val="tx1"/>
+                </a:solidFill>
+                <a:miter lim="800000"/>
+                <a:headEnd/>
+                <a:tailEnd/>
+              </a14:hiddenLine>
+            </a:ext>
+          </a:extLst>
+        </p:spPr>
+      </p:pic>
+      <p:pic>
+        <p:nvPicPr>
+          <p:cNvPr id="22" name="Picture 4"/>
+          <p:cNvPicPr>
+            <a:picLocks noChangeAspect="1" noChangeArrowheads="1"/>
+          </p:cNvPicPr>
+          <p:nvPr/>
+        </p:nvPicPr>
+        <p:blipFill>
+          <a:blip r:embed="rId5" cstate="print">
+            <a:extLst>
+              <a:ext uri="{28A0092B-C50C-407E-A947-70E740481C1C}">
+                <a14:useLocalDpi xmlns:a14="http://schemas.microsoft.com/office/drawing/2010/main" val="0"/>
+              </a:ext>
+            </a:extLst>
+          </a:blip>
+          <a:srcRect/>
+          <a:stretch>
+            <a:fillRect/>
+          </a:stretch>
+        </p:blipFill>
+        <p:spPr bwMode="auto">
+          <a:xfrm>
+            <a:off x="6917719" y="4196434"/>
+            <a:ext cx="656037" cy="647888"/>
+          </a:xfrm>
+          <a:prstGeom prst="rect">
+            <a:avLst/>
+          </a:prstGeom>
+          <a:noFill/>
+          <a:ln>
+            <a:noFill/>
+          </a:ln>
+          <a:extLst>
+            <a:ext uri="{909E8E84-426E-40DD-AFC4-6F175D3DCCD1}">
+              <a14:hiddenFill xmlns:a14="http://schemas.microsoft.com/office/drawing/2010/main">
+                <a:solidFill>
+                  <a:schemeClr val="accent1"/>
+                </a:solidFill>
+              </a14:hiddenFill>
+            </a:ext>
+            <a:ext uri="{91240B29-F687-4F45-9708-019B960494DF}">
+              <a14:hiddenLine xmlns:a14="http://schemas.microsoft.com/office/drawing/2010/main" w="9525">
+                <a:solidFill>
+                  <a:schemeClr val="tx1"/>
+                </a:solidFill>
+                <a:miter lim="800000"/>
+                <a:headEnd/>
+                <a:tailEnd/>
+              </a14:hiddenLine>
+            </a:ext>
+          </a:extLst>
+        </p:spPr>
+      </p:pic>
+      <p:pic>
+        <p:nvPicPr>
+          <p:cNvPr id="23" name="Picture 5"/>
+          <p:cNvPicPr>
+            <a:picLocks noChangeAspect="1" noChangeArrowheads="1"/>
+          </p:cNvPicPr>
+          <p:nvPr/>
+        </p:nvPicPr>
+        <p:blipFill>
+          <a:blip r:embed="rId6" cstate="print">
+            <a:extLst>
+              <a:ext uri="{28A0092B-C50C-407E-A947-70E740481C1C}">
+                <a14:useLocalDpi xmlns:a14="http://schemas.microsoft.com/office/drawing/2010/main" val="0"/>
+              </a:ext>
+            </a:extLst>
+          </a:blip>
+          <a:srcRect/>
+          <a:stretch>
+            <a:fillRect/>
+          </a:stretch>
+        </p:blipFill>
+        <p:spPr bwMode="auto">
+          <a:xfrm>
+            <a:off x="7573755" y="4206960"/>
+            <a:ext cx="661414" cy="637363"/>
+          </a:xfrm>
+          <a:prstGeom prst="rect">
+            <a:avLst/>
+          </a:prstGeom>
+          <a:noFill/>
+          <a:ln>
+            <a:noFill/>
+          </a:ln>
+          <a:extLst>
+            <a:ext uri="{909E8E84-426E-40DD-AFC4-6F175D3DCCD1}">
+              <a14:hiddenFill xmlns:a14="http://schemas.microsoft.com/office/drawing/2010/main">
+                <a:solidFill>
+                  <a:schemeClr val="accent1"/>
+                </a:solidFill>
+              </a14:hiddenFill>
+            </a:ext>
+            <a:ext uri="{91240B29-F687-4F45-9708-019B960494DF}">
+              <a14:hiddenLine xmlns:a14="http://schemas.microsoft.com/office/drawing/2010/main" w="9525">
+                <a:solidFill>
+                  <a:schemeClr val="tx1"/>
+                </a:solidFill>
+                <a:miter lim="800000"/>
+                <a:headEnd/>
+                <a:tailEnd/>
+              </a14:hiddenLine>
+            </a:ext>
+          </a:extLst>
+        </p:spPr>
+      </p:pic>
+      <p:sp>
+        <p:nvSpPr>
+          <p:cNvPr id="24" name="Rectangle à coins arrondis 23"/>
+          <p:cNvSpPr/>
+          <p:nvPr/>
+        </p:nvSpPr>
+        <p:spPr>
+          <a:xfrm>
+            <a:off x="6853196" y="3485748"/>
+            <a:ext cx="1504681" cy="1421373"/>
+          </a:xfrm>
+          <a:prstGeom prst="roundRect">
+            <a:avLst/>
+          </a:prstGeom>
+          <a:noFill/>
+        </p:spPr>
+        <p:style>
+          <a:lnRef idx="2">
+            <a:schemeClr val="accent1">
+              <a:shade val="50000"/>
+            </a:schemeClr>
+          </a:lnRef>
+          <a:fillRef idx="1">
+            <a:schemeClr val="accent1"/>
+          </a:fillRef>
+          <a:effectRef idx="0">
+            <a:schemeClr val="accent1"/>
+          </a:effectRef>
+          <a:fontRef idx="minor">
+            <a:schemeClr val="lt1"/>
+          </a:fontRef>
+        </p:style>
+        <p:txBody>
+          <a:bodyPr rtlCol="0" anchor="ctr"/>
+          <a:lstStyle/>
+          <a:p>
+            <a:pPr algn="ctr"/>
+            <a:endParaRPr lang="en-US"/>
+          </a:p>
+        </p:txBody>
+      </p:sp>
+      <p:sp>
+        <p:nvSpPr>
+          <p:cNvPr id="25" name="ZoneTexte 24"/>
+          <p:cNvSpPr txBox="1"/>
+          <p:nvPr/>
+        </p:nvSpPr>
+        <p:spPr>
+          <a:xfrm>
+            <a:off x="8645908" y="3875714"/>
+            <a:ext cx="1368152" cy="461665"/>
+          </a:xfrm>
+          <a:prstGeom prst="rect">
+            <a:avLst/>
+          </a:prstGeom>
+          <a:noFill/>
+        </p:spPr>
+        <p:txBody>
+          <a:bodyPr wrap="square" rtlCol="0">
+            <a:spAutoFit/>
+          </a:bodyPr>
+          <a:lstStyle/>
+          <a:p>
+            <a:r>
+              <a:rPr lang="en-US" sz="2400" dirty="0"/>
+              <a:t>H’ = 1.38 </a:t>
+            </a:r>
+          </a:p>
+        </p:txBody>
+      </p:sp>
+      <p:pic>
+        <p:nvPicPr>
+          <p:cNvPr id="26" name="Picture 2"/>
+          <p:cNvPicPr>
+            <a:picLocks noChangeAspect="1" noChangeArrowheads="1"/>
+          </p:cNvPicPr>
+          <p:nvPr/>
+        </p:nvPicPr>
+        <p:blipFill>
+          <a:blip r:embed="rId3">
+            <a:extLst>
+              <a:ext uri="{28A0092B-C50C-407E-A947-70E740481C1C}">
+                <a14:useLocalDpi xmlns:a14="http://schemas.microsoft.com/office/drawing/2010/main" val="0"/>
+              </a:ext>
+            </a:extLst>
+          </a:blip>
+          <a:srcRect/>
+          <a:stretch>
+            <a:fillRect/>
+          </a:stretch>
+        </p:blipFill>
+        <p:spPr bwMode="auto">
+          <a:xfrm>
+            <a:off x="6911993" y="5343497"/>
+            <a:ext cx="890996" cy="1212521"/>
+          </a:xfrm>
+          <a:prstGeom prst="rect">
+            <a:avLst/>
+          </a:prstGeom>
+          <a:noFill/>
+          <a:ln>
+            <a:noFill/>
+          </a:ln>
+          <a:extLst>
+            <a:ext uri="{909E8E84-426E-40DD-AFC4-6F175D3DCCD1}">
+              <a14:hiddenFill xmlns:a14="http://schemas.microsoft.com/office/drawing/2010/main">
+                <a:solidFill>
+                  <a:schemeClr val="accent1"/>
+                </a:solidFill>
+              </a14:hiddenFill>
+            </a:ext>
+            <a:ext uri="{91240B29-F687-4F45-9708-019B960494DF}">
+              <a14:hiddenLine xmlns:a14="http://schemas.microsoft.com/office/drawing/2010/main" w="9525">
+                <a:solidFill>
+                  <a:schemeClr val="tx1"/>
+                </a:solidFill>
+                <a:miter lim="800000"/>
+                <a:headEnd/>
+                <a:tailEnd/>
+              </a14:hiddenLine>
+            </a:ext>
+          </a:extLst>
+        </p:spPr>
+      </p:pic>
+      <p:pic>
+        <p:nvPicPr>
+          <p:cNvPr id="27" name="Picture 3"/>
+          <p:cNvPicPr>
+            <a:picLocks noChangeAspect="1" noChangeArrowheads="1"/>
+          </p:cNvPicPr>
+          <p:nvPr/>
+        </p:nvPicPr>
+        <p:blipFill>
+          <a:blip r:embed="rId7" cstate="print">
+            <a:extLst>
+              <a:ext uri="{28A0092B-C50C-407E-A947-70E740481C1C}">
+                <a14:useLocalDpi xmlns:a14="http://schemas.microsoft.com/office/drawing/2010/main" val="0"/>
+              </a:ext>
+            </a:extLst>
+          </a:blip>
+          <a:srcRect/>
+          <a:stretch>
+            <a:fillRect/>
+          </a:stretch>
+        </p:blipFill>
+        <p:spPr bwMode="auto">
+          <a:xfrm>
+            <a:off x="7904293" y="5514450"/>
+            <a:ext cx="281961" cy="278345"/>
+          </a:xfrm>
+          <a:prstGeom prst="rect">
+            <a:avLst/>
+          </a:prstGeom>
+          <a:noFill/>
+          <a:ln>
+            <a:noFill/>
+          </a:ln>
+          <a:extLst>
+            <a:ext uri="{909E8E84-426E-40DD-AFC4-6F175D3DCCD1}">
+              <a14:hiddenFill xmlns:a14="http://schemas.microsoft.com/office/drawing/2010/main">
+                <a:solidFill>
+                  <a:schemeClr val="accent1"/>
+                </a:solidFill>
+              </a14:hiddenFill>
+            </a:ext>
+            <a:ext uri="{91240B29-F687-4F45-9708-019B960494DF}">
+              <a14:hiddenLine xmlns:a14="http://schemas.microsoft.com/office/drawing/2010/main" w="9525">
+                <a:solidFill>
+                  <a:schemeClr val="tx1"/>
+                </a:solidFill>
+                <a:miter lim="800000"/>
+                <a:headEnd/>
+                <a:tailEnd/>
+              </a14:hiddenLine>
+            </a:ext>
+          </a:extLst>
+        </p:spPr>
+      </p:pic>
+      <p:sp>
+        <p:nvSpPr>
+          <p:cNvPr id="28" name="Rectangle à coins arrondis 27"/>
+          <p:cNvSpPr/>
+          <p:nvPr/>
+        </p:nvSpPr>
+        <p:spPr>
+          <a:xfrm>
+            <a:off x="6815925" y="5214433"/>
+            <a:ext cx="1504681" cy="1421373"/>
+          </a:xfrm>
+          <a:prstGeom prst="roundRect">
+            <a:avLst/>
+          </a:prstGeom>
+          <a:noFill/>
+        </p:spPr>
+        <p:style>
+          <a:lnRef idx="2">
+            <a:schemeClr val="accent1">
+              <a:shade val="50000"/>
+            </a:schemeClr>
+          </a:lnRef>
+          <a:fillRef idx="1">
+            <a:schemeClr val="accent1"/>
+          </a:fillRef>
+          <a:effectRef idx="0">
+            <a:schemeClr val="accent1"/>
+          </a:effectRef>
+          <a:fontRef idx="minor">
+            <a:schemeClr val="lt1"/>
+          </a:fontRef>
+        </p:style>
+        <p:txBody>
+          <a:bodyPr rtlCol="0" anchor="ctr"/>
+          <a:lstStyle/>
+          <a:p>
+            <a:pPr algn="ctr"/>
+            <a:endParaRPr lang="en-US"/>
+          </a:p>
+        </p:txBody>
+      </p:sp>
+      <p:sp>
+        <p:nvSpPr>
+          <p:cNvPr id="29" name="ZoneTexte 28"/>
+          <p:cNvSpPr txBox="1"/>
+          <p:nvPr/>
+        </p:nvSpPr>
+        <p:spPr>
+          <a:xfrm>
+            <a:off x="8608637" y="5718924"/>
+            <a:ext cx="1368152" cy="461665"/>
+          </a:xfrm>
+          <a:prstGeom prst="rect">
+            <a:avLst/>
+          </a:prstGeom>
+          <a:noFill/>
+        </p:spPr>
+        <p:txBody>
+          <a:bodyPr wrap="square" rtlCol="0">
+            <a:spAutoFit/>
+          </a:bodyPr>
+          <a:lstStyle/>
+          <a:p>
+            <a:r>
+              <a:rPr lang="en-US" sz="2400" dirty="0"/>
+              <a:t>H’ = 0.56</a:t>
+            </a:r>
+          </a:p>
+        </p:txBody>
+      </p:sp>
+      <p:pic>
+        <p:nvPicPr>
+          <p:cNvPr id="30" name="Picture 4"/>
+          <p:cNvPicPr>
+            <a:picLocks noChangeAspect="1" noChangeArrowheads="1"/>
+          </p:cNvPicPr>
+          <p:nvPr/>
+        </p:nvPicPr>
+        <p:blipFill>
+          <a:blip r:embed="rId8" cstate="print">
+            <a:extLst>
+              <a:ext uri="{28A0092B-C50C-407E-A947-70E740481C1C}">
+                <a14:useLocalDpi xmlns:a14="http://schemas.microsoft.com/office/drawing/2010/main" val="0"/>
+              </a:ext>
+            </a:extLst>
+          </a:blip>
+          <a:srcRect/>
+          <a:stretch>
+            <a:fillRect/>
+          </a:stretch>
+        </p:blipFill>
+        <p:spPr bwMode="auto">
+          <a:xfrm flipV="1">
+            <a:off x="7891593" y="6018505"/>
+            <a:ext cx="339485" cy="335268"/>
+          </a:xfrm>
+          <a:prstGeom prst="rect">
+            <a:avLst/>
+          </a:prstGeom>
+          <a:noFill/>
+          <a:ln>
+            <a:noFill/>
+          </a:ln>
+          <a:extLst>
+            <a:ext uri="{909E8E84-426E-40DD-AFC4-6F175D3DCCD1}">
+              <a14:hiddenFill xmlns:a14="http://schemas.microsoft.com/office/drawing/2010/main">
+                <a:solidFill>
+                  <a:schemeClr val="accent1"/>
+                </a:solidFill>
+              </a14:hiddenFill>
+            </a:ext>
+            <a:ext uri="{91240B29-F687-4F45-9708-019B960494DF}">
+              <a14:hiddenLine xmlns:a14="http://schemas.microsoft.com/office/drawing/2010/main" w="9525">
+                <a:solidFill>
+                  <a:schemeClr val="tx1"/>
+                </a:solidFill>
+                <a:miter lim="800000"/>
+                <a:headEnd/>
+                <a:tailEnd/>
+              </a14:hiddenLine>
+            </a:ext>
+          </a:extLst>
+        </p:spPr>
+      </p:pic>
+      <p:pic>
+        <p:nvPicPr>
+          <p:cNvPr id="31" name="Picture 4"/>
+          <p:cNvPicPr>
+            <a:picLocks noChangeAspect="1" noChangeArrowheads="1"/>
+          </p:cNvPicPr>
+          <p:nvPr/>
+        </p:nvPicPr>
+        <p:blipFill>
+          <a:blip r:embed="rId9">
+            <a:extLst>
+              <a:ext uri="{28A0092B-C50C-407E-A947-70E740481C1C}">
+                <a14:useLocalDpi xmlns:a14="http://schemas.microsoft.com/office/drawing/2010/main" val="0"/>
+              </a:ext>
+            </a:extLst>
+          </a:blip>
+          <a:srcRect/>
+          <a:stretch>
+            <a:fillRect/>
+          </a:stretch>
+        </p:blipFill>
+        <p:spPr bwMode="auto">
+          <a:xfrm>
+            <a:off x="3809208" y="1558316"/>
+            <a:ext cx="5735804" cy="903769"/>
           </a:xfrm>
           <a:prstGeom prst="rect">
             <a:avLst/>
@@ -7184,180 +7119,10 @@
           </a:extLst>
         </p:spPr>
       </p:pic>
-      <p:pic>
-        <p:nvPicPr>
-          <p:cNvPr id="6" name="Picture 5"/>
-          <p:cNvPicPr>
-            <a:picLocks noChangeAspect="1" noChangeArrowheads="1"/>
-          </p:cNvPicPr>
-          <p:nvPr/>
-        </p:nvPicPr>
-        <p:blipFill>
-          <a:blip r:embed="rId3">
-            <a:extLst>
-              <a:ext uri="{28A0092B-C50C-407E-A947-70E740481C1C}">
-                <a14:useLocalDpi xmlns:a14="http://schemas.microsoft.com/office/drawing/2010/main" val="0"/>
-              </a:ext>
-            </a:extLst>
-          </a:blip>
-          <a:srcRect/>
-          <a:stretch>
-            <a:fillRect/>
-          </a:stretch>
-        </p:blipFill>
-        <p:spPr bwMode="auto">
-          <a:xfrm>
-            <a:off x="1709193" y="3669243"/>
-            <a:ext cx="4606753" cy="2939922"/>
-          </a:xfrm>
-          <a:prstGeom prst="rect">
-            <a:avLst/>
-          </a:prstGeom>
-          <a:noFill/>
-          <a:ln>
-            <a:noFill/>
-          </a:ln>
-          <a:extLst>
-            <a:ext uri="{909E8E84-426E-40DD-AFC4-6F175D3DCCD1}">
-              <a14:hiddenFill xmlns:a14="http://schemas.microsoft.com/office/drawing/2010/main">
-                <a:solidFill>
-                  <a:schemeClr val="accent1"/>
-                </a:solidFill>
-              </a14:hiddenFill>
-            </a:ext>
-            <a:ext uri="{91240B29-F687-4F45-9708-019B960494DF}">
-              <a14:hiddenLine xmlns:a14="http://schemas.microsoft.com/office/drawing/2010/main" w="9525">
-                <a:solidFill>
-                  <a:schemeClr val="tx1"/>
-                </a:solidFill>
-                <a:miter lim="800000"/>
-                <a:headEnd/>
-                <a:tailEnd/>
-              </a14:hiddenLine>
-            </a:ext>
-          </a:extLst>
-        </p:spPr>
-      </p:pic>
-      <p:pic>
-        <p:nvPicPr>
-          <p:cNvPr id="7" name="Picture 6"/>
-          <p:cNvPicPr>
-            <a:picLocks noChangeAspect="1" noChangeArrowheads="1"/>
-          </p:cNvPicPr>
-          <p:nvPr/>
-        </p:nvPicPr>
-        <p:blipFill>
-          <a:blip r:embed="rId4" cstate="print">
-            <a:extLst>
-              <a:ext uri="{28A0092B-C50C-407E-A947-70E740481C1C}">
-                <a14:useLocalDpi xmlns:a14="http://schemas.microsoft.com/office/drawing/2010/main" val="0"/>
-              </a:ext>
-            </a:extLst>
-          </a:blip>
-          <a:srcRect/>
-          <a:stretch>
-            <a:fillRect/>
-          </a:stretch>
-        </p:blipFill>
-        <p:spPr bwMode="auto">
-          <a:xfrm>
-            <a:off x="6485346" y="3562455"/>
-            <a:ext cx="3941205" cy="3073351"/>
-          </a:xfrm>
-          <a:prstGeom prst="rect">
-            <a:avLst/>
-          </a:prstGeom>
-          <a:noFill/>
-          <a:ln>
-            <a:noFill/>
-          </a:ln>
-          <a:extLst>
-            <a:ext uri="{909E8E84-426E-40DD-AFC4-6F175D3DCCD1}">
-              <a14:hiddenFill xmlns:a14="http://schemas.microsoft.com/office/drawing/2010/main">
-                <a:solidFill>
-                  <a:schemeClr val="accent1"/>
-                </a:solidFill>
-              </a14:hiddenFill>
-            </a:ext>
-            <a:ext uri="{91240B29-F687-4F45-9708-019B960494DF}">
-              <a14:hiddenLine xmlns:a14="http://schemas.microsoft.com/office/drawing/2010/main" w="9525">
-                <a:solidFill>
-                  <a:schemeClr val="tx1"/>
-                </a:solidFill>
-                <a:miter lim="800000"/>
-                <a:headEnd/>
-                <a:tailEnd/>
-              </a14:hiddenLine>
-            </a:ext>
-          </a:extLst>
-        </p:spPr>
-      </p:pic>
-      <p:sp>
-        <p:nvSpPr>
-          <p:cNvPr id="9" name="Title 1"/>
-          <p:cNvSpPr>
-            <a:spLocks noGrp="1"/>
-          </p:cNvSpPr>
-          <p:nvPr>
-            <p:ph type="title"/>
-          </p:nvPr>
-        </p:nvSpPr>
-        <p:spPr>
-          <a:xfrm>
-            <a:off x="1630250" y="312447"/>
-            <a:ext cx="8229600" cy="458115"/>
-          </a:xfrm>
-        </p:spPr>
-        <p:txBody>
-          <a:bodyPr>
-            <a:noAutofit/>
-          </a:bodyPr>
-          <a:lstStyle/>
-          <a:p>
-            <a:r>
-              <a:rPr lang="en-US" b="1" dirty="0" err="1">
-                <a:solidFill>
-                  <a:schemeClr val="accent1">
-                    <a:lumMod val="50000"/>
-                  </a:schemeClr>
-                </a:solidFill>
-              </a:rPr>
-              <a:t>Analyse</a:t>
-            </a:r>
-            <a:r>
-              <a:rPr lang="en-US" b="1" dirty="0">
-                <a:solidFill>
-                  <a:schemeClr val="accent1">
-                    <a:lumMod val="50000"/>
-                  </a:schemeClr>
-                </a:solidFill>
-              </a:rPr>
-              <a:t> bio-</a:t>
-            </a:r>
-            <a:r>
-              <a:rPr lang="en-US" b="1" dirty="0" err="1">
-                <a:solidFill>
-                  <a:schemeClr val="accent1">
-                    <a:lumMod val="50000"/>
-                  </a:schemeClr>
-                </a:solidFill>
-              </a:rPr>
-              <a:t>statistique</a:t>
-            </a:r>
-            <a:endParaRPr lang="en-US" b="1" dirty="0">
-              <a:solidFill>
-                <a:schemeClr val="accent1">
-                  <a:lumMod val="50000"/>
-                </a:schemeClr>
-              </a:solidFill>
-            </a:endParaRPr>
-          </a:p>
-        </p:txBody>
-      </p:sp>
     </p:spTree>
     <p:extLst>
       <p:ext uri="{BB962C8B-B14F-4D97-AF65-F5344CB8AC3E}">
-        <p14:creationId xmlns:p14="http://schemas.microsoft.com/office/powerpoint/2010/main" val="4201938146"/>
+        <p14:creationId xmlns:p14="http://schemas.microsoft.com/office/powerpoint/2010/main" val="290790795"/>
       </p:ext>
     </p:extLst>
   </p:cSld>
@@ -7386,6 +7151,325 @@
       </p:grpSpPr>
       <p:sp>
         <p:nvSpPr>
+          <p:cNvPr id="4" name="ZoneTexte 3"/>
+          <p:cNvSpPr txBox="1"/>
+          <p:nvPr/>
+        </p:nvSpPr>
+        <p:spPr>
+          <a:xfrm>
+            <a:off x="832010" y="1208314"/>
+            <a:ext cx="8725494" cy="4770537"/>
+          </a:xfrm>
+          <a:prstGeom prst="rect">
+            <a:avLst/>
+          </a:prstGeom>
+          <a:noFill/>
+        </p:spPr>
+        <p:txBody>
+          <a:bodyPr wrap="square" rtlCol="0">
+            <a:spAutoFit/>
+          </a:bodyPr>
+          <a:lstStyle/>
+          <a:p>
+            <a:r>
+              <a:rPr lang="en-US" sz="2400" b="1" dirty="0">
+                <a:solidFill>
+                  <a:srgbClr val="0000FF"/>
+                </a:solidFill>
+              </a:rPr>
+              <a:t>2: Beta diversity (</a:t>
+            </a:r>
+            <a:r>
+              <a:rPr lang="en-US" sz="2400" b="1" dirty="0" err="1">
+                <a:solidFill>
+                  <a:srgbClr val="0000FF"/>
+                </a:solidFill>
+              </a:rPr>
+              <a:t>Unifrac</a:t>
+            </a:r>
+            <a:r>
+              <a:rPr lang="en-US" sz="2400" b="1" dirty="0">
+                <a:solidFill>
+                  <a:srgbClr val="0000FF"/>
+                </a:solidFill>
+              </a:rPr>
+              <a:t> analysis)</a:t>
+            </a:r>
+          </a:p>
+          <a:p>
+            <a:endParaRPr lang="en-US" sz="2000" b="1" dirty="0">
+              <a:solidFill>
+                <a:srgbClr val="0000FF"/>
+              </a:solidFill>
+            </a:endParaRPr>
+          </a:p>
+          <a:p>
+            <a:endParaRPr lang="en-US" sz="2000" b="1" dirty="0">
+              <a:solidFill>
+                <a:srgbClr val="0000FF"/>
+              </a:solidFill>
+            </a:endParaRPr>
+          </a:p>
+          <a:p>
+            <a:endParaRPr lang="en-US" sz="2000" b="1" dirty="0">
+              <a:solidFill>
+                <a:srgbClr val="0000FF"/>
+              </a:solidFill>
+            </a:endParaRPr>
+          </a:p>
+          <a:p>
+            <a:endParaRPr lang="en-US" sz="2000" b="1" dirty="0">
+              <a:solidFill>
+                <a:srgbClr val="0000FF"/>
+              </a:solidFill>
+            </a:endParaRPr>
+          </a:p>
+          <a:p>
+            <a:endParaRPr lang="en-US" sz="2000" b="1" dirty="0">
+              <a:solidFill>
+                <a:srgbClr val="0000FF"/>
+              </a:solidFill>
+            </a:endParaRPr>
+          </a:p>
+          <a:p>
+            <a:endParaRPr lang="en-US" sz="2000" b="1" dirty="0">
+              <a:solidFill>
+                <a:srgbClr val="0000FF"/>
+              </a:solidFill>
+            </a:endParaRPr>
+          </a:p>
+          <a:p>
+            <a:endParaRPr lang="en-US" sz="2000" b="1" dirty="0">
+              <a:solidFill>
+                <a:srgbClr val="0000FF"/>
+              </a:solidFill>
+            </a:endParaRPr>
+          </a:p>
+          <a:p>
+            <a:endParaRPr lang="en-US" sz="2000" b="1" dirty="0">
+              <a:solidFill>
+                <a:srgbClr val="0000FF"/>
+              </a:solidFill>
+            </a:endParaRPr>
+          </a:p>
+          <a:p>
+            <a:endParaRPr lang="en-US" sz="2000" b="1" dirty="0">
+              <a:solidFill>
+                <a:srgbClr val="0000FF"/>
+              </a:solidFill>
+            </a:endParaRPr>
+          </a:p>
+          <a:p>
+            <a:endParaRPr lang="en-US" sz="2000" b="1" dirty="0">
+              <a:solidFill>
+                <a:srgbClr val="0000FF"/>
+              </a:solidFill>
+            </a:endParaRPr>
+          </a:p>
+          <a:p>
+            <a:endParaRPr lang="en-US" sz="2000" b="1" dirty="0">
+              <a:solidFill>
+                <a:srgbClr val="0000FF"/>
+              </a:solidFill>
+            </a:endParaRPr>
+          </a:p>
+          <a:p>
+            <a:endParaRPr lang="en-US" sz="2000" b="1" dirty="0">
+              <a:solidFill>
+                <a:srgbClr val="0000FF"/>
+              </a:solidFill>
+            </a:endParaRPr>
+          </a:p>
+          <a:p>
+            <a:endParaRPr lang="en-US" sz="2000" b="1" dirty="0">
+              <a:solidFill>
+                <a:srgbClr val="0000FF"/>
+              </a:solidFill>
+            </a:endParaRPr>
+          </a:p>
+          <a:p>
+            <a:endParaRPr lang="en-US" sz="2000" b="1" dirty="0">
+              <a:solidFill>
+                <a:srgbClr val="0000FF"/>
+              </a:solidFill>
+            </a:endParaRPr>
+          </a:p>
+        </p:txBody>
+      </p:sp>
+      <p:pic>
+        <p:nvPicPr>
+          <p:cNvPr id="5" name="Picture 4"/>
+          <p:cNvPicPr>
+            <a:picLocks noChangeAspect="1" noChangeArrowheads="1"/>
+          </p:cNvPicPr>
+          <p:nvPr/>
+        </p:nvPicPr>
+        <p:blipFill>
+          <a:blip r:embed="rId2">
+            <a:extLst>
+              <a:ext uri="{28A0092B-C50C-407E-A947-70E740481C1C}">
+                <a14:useLocalDpi xmlns:a14="http://schemas.microsoft.com/office/drawing/2010/main" val="0"/>
+              </a:ext>
+            </a:extLst>
+          </a:blip>
+          <a:srcRect/>
+          <a:stretch>
+            <a:fillRect/>
+          </a:stretch>
+        </p:blipFill>
+        <p:spPr bwMode="auto">
+          <a:xfrm>
+            <a:off x="1187497" y="1726802"/>
+            <a:ext cx="6105525" cy="962025"/>
+          </a:xfrm>
+          <a:prstGeom prst="rect">
+            <a:avLst/>
+          </a:prstGeom>
+          <a:noFill/>
+          <a:ln>
+            <a:noFill/>
+          </a:ln>
+          <a:effectLst/>
+          <a:extLst>
+            <a:ext uri="{909E8E84-426E-40DD-AFC4-6F175D3DCCD1}">
+              <a14:hiddenFill xmlns:a14="http://schemas.microsoft.com/office/drawing/2010/main">
+                <a:solidFill>
+                  <a:schemeClr val="accent1"/>
+                </a:solidFill>
+              </a14:hiddenFill>
+            </a:ext>
+            <a:ext uri="{91240B29-F687-4F45-9708-019B960494DF}">
+              <a14:hiddenLine xmlns:a14="http://schemas.microsoft.com/office/drawing/2010/main" w="9525">
+                <a:solidFill>
+                  <a:schemeClr val="tx1"/>
+                </a:solidFill>
+                <a:miter lim="800000"/>
+                <a:headEnd/>
+                <a:tailEnd/>
+              </a14:hiddenLine>
+            </a:ext>
+            <a:ext uri="{AF507438-7753-43E0-B8FC-AC1667EBCBE1}">
+              <a14:hiddenEffects xmlns:a14="http://schemas.microsoft.com/office/drawing/2010/main">
+                <a:effectLst>
+                  <a:outerShdw dist="35921" dir="2700000" algn="ctr" rotWithShape="0">
+                    <a:schemeClr val="bg2"/>
+                  </a:outerShdw>
+                </a:effectLst>
+              </a14:hiddenEffects>
+            </a:ext>
+          </a:extLst>
+        </p:spPr>
+      </p:pic>
+      <p:pic>
+        <p:nvPicPr>
+          <p:cNvPr id="6" name="Picture 5"/>
+          <p:cNvPicPr>
+            <a:picLocks noChangeAspect="1" noChangeArrowheads="1"/>
+          </p:cNvPicPr>
+          <p:nvPr/>
+        </p:nvPicPr>
+        <p:blipFill>
+          <a:blip r:embed="rId3">
+            <a:extLst>
+              <a:ext uri="{28A0092B-C50C-407E-A947-70E740481C1C}">
+                <a14:useLocalDpi xmlns:a14="http://schemas.microsoft.com/office/drawing/2010/main" val="0"/>
+              </a:ext>
+            </a:extLst>
+          </a:blip>
+          <a:srcRect/>
+          <a:stretch>
+            <a:fillRect/>
+          </a:stretch>
+        </p:blipFill>
+        <p:spPr bwMode="auto">
+          <a:xfrm>
+            <a:off x="963468" y="3038928"/>
+            <a:ext cx="4606753" cy="2939922"/>
+          </a:xfrm>
+          <a:prstGeom prst="rect">
+            <a:avLst/>
+          </a:prstGeom>
+          <a:noFill/>
+          <a:ln>
+            <a:noFill/>
+          </a:ln>
+          <a:extLst>
+            <a:ext uri="{909E8E84-426E-40DD-AFC4-6F175D3DCCD1}">
+              <a14:hiddenFill xmlns:a14="http://schemas.microsoft.com/office/drawing/2010/main">
+                <a:solidFill>
+                  <a:schemeClr val="accent1"/>
+                </a:solidFill>
+              </a14:hiddenFill>
+            </a:ext>
+            <a:ext uri="{91240B29-F687-4F45-9708-019B960494DF}">
+              <a14:hiddenLine xmlns:a14="http://schemas.microsoft.com/office/drawing/2010/main" w="9525">
+                <a:solidFill>
+                  <a:schemeClr val="tx1"/>
+                </a:solidFill>
+                <a:miter lim="800000"/>
+                <a:headEnd/>
+                <a:tailEnd/>
+              </a14:hiddenLine>
+            </a:ext>
+          </a:extLst>
+        </p:spPr>
+      </p:pic>
+      <p:pic>
+        <p:nvPicPr>
+          <p:cNvPr id="7" name="Picture 6"/>
+          <p:cNvPicPr>
+            <a:picLocks noChangeAspect="1" noChangeArrowheads="1"/>
+          </p:cNvPicPr>
+          <p:nvPr/>
+        </p:nvPicPr>
+        <p:blipFill>
+          <a:blip r:embed="rId4" cstate="print">
+            <a:extLst>
+              <a:ext uri="{28A0092B-C50C-407E-A947-70E740481C1C}">
+                <a14:useLocalDpi xmlns:a14="http://schemas.microsoft.com/office/drawing/2010/main" val="0"/>
+              </a:ext>
+            </a:extLst>
+          </a:blip>
+          <a:srcRect/>
+          <a:stretch>
+            <a:fillRect/>
+          </a:stretch>
+        </p:blipFill>
+        <p:spPr bwMode="auto">
+          <a:xfrm>
+            <a:off x="5739621" y="2932140"/>
+            <a:ext cx="3941205" cy="3073351"/>
+          </a:xfrm>
+          <a:prstGeom prst="rect">
+            <a:avLst/>
+          </a:prstGeom>
+          <a:noFill/>
+          <a:ln>
+            <a:noFill/>
+          </a:ln>
+          <a:extLst>
+            <a:ext uri="{909E8E84-426E-40DD-AFC4-6F175D3DCCD1}">
+              <a14:hiddenFill xmlns:a14="http://schemas.microsoft.com/office/drawing/2010/main">
+                <a:solidFill>
+                  <a:schemeClr val="accent1"/>
+                </a:solidFill>
+              </a14:hiddenFill>
+            </a:ext>
+            <a:ext uri="{91240B29-F687-4F45-9708-019B960494DF}">
+              <a14:hiddenLine xmlns:a14="http://schemas.microsoft.com/office/drawing/2010/main" w="9525">
+                <a:solidFill>
+                  <a:schemeClr val="tx1"/>
+                </a:solidFill>
+                <a:miter lim="800000"/>
+                <a:headEnd/>
+                <a:tailEnd/>
+              </a14:hiddenLine>
+            </a:ext>
+          </a:extLst>
+        </p:spPr>
+      </p:pic>
+      <p:sp>
+        <p:nvSpPr>
           <p:cNvPr id="9" name="Title 1"/>
           <p:cNvSpPr>
             <a:spLocks noGrp="1"/>
@@ -7407,142 +7491,49 @@
           <a:lstStyle/>
           <a:p>
             <a:r>
-              <a:rPr lang="en-US" b="1" dirty="0">
+              <a:rPr lang="en-US" b="1" dirty="0" err="1">
                 <a:solidFill>
                   <a:schemeClr val="accent1">
                     <a:lumMod val="50000"/>
                   </a:schemeClr>
                 </a:solidFill>
               </a:rPr>
-              <a:t>OTUS        VS          ASV</a:t>
-            </a:r>
-          </a:p>
-        </p:txBody>
-      </p:sp>
-      <p:sp>
-        <p:nvSpPr>
-          <p:cNvPr id="2" name="ZoneTexte 1">
-            <a:extLst>
-              <a:ext uri="{FF2B5EF4-FFF2-40B4-BE49-F238E27FC236}">
-                <a16:creationId xmlns:a16="http://schemas.microsoft.com/office/drawing/2014/main" id="{1CCCD8D8-DE63-4DED-A895-F86D817BB825}"/>
-              </a:ext>
-            </a:extLst>
-          </p:cNvPr>
-          <p:cNvSpPr txBox="1"/>
-          <p:nvPr/>
-        </p:nvSpPr>
-        <p:spPr>
-          <a:xfrm>
-            <a:off x="577049" y="1154097"/>
-            <a:ext cx="10972800" cy="4708981"/>
-          </a:xfrm>
-          <a:prstGeom prst="rect">
-            <a:avLst/>
-          </a:prstGeom>
-          <a:noFill/>
-        </p:spPr>
-        <p:txBody>
-          <a:bodyPr wrap="square" rtlCol="0">
-            <a:spAutoFit/>
-          </a:bodyPr>
-          <a:lstStyle/>
-          <a:p>
-            <a:r>
-              <a:rPr lang="fr-FR" dirty="0"/>
-              <a:t>https://fr.wikipedia.org/wiki/Variant_de_s%C3%A9quence_d%27amplicon</a:t>
-            </a:r>
-          </a:p>
-          <a:p>
-            <a:endParaRPr lang="fr-FR" dirty="0"/>
-          </a:p>
-          <a:p>
-            <a:endParaRPr lang="fr-FR" dirty="0"/>
-          </a:p>
-          <a:p>
-            <a:pPr algn="just"/>
-            <a:r>
-              <a:rPr lang="fr-FR" dirty="0"/>
-              <a:t>L'introduction des méthodes ASV a suscité un </a:t>
-            </a:r>
-            <a:r>
-              <a:rPr lang="fr-FR" b="1" dirty="0"/>
-              <a:t>débat</a:t>
-            </a:r>
-            <a:r>
-              <a:rPr lang="fr-FR" dirty="0"/>
-              <a:t> parmi les biologistes moléculaires quant à leur utilité. Certains ont fait valoir que les </a:t>
-            </a:r>
-            <a:r>
-              <a:rPr lang="fr-FR" b="1" dirty="0"/>
-              <a:t>ASV devraient remplacer les OTU </a:t>
-            </a:r>
-            <a:r>
-              <a:rPr lang="fr-FR" dirty="0"/>
-              <a:t>dans l'analyse des gènes marqueurs</a:t>
-            </a:r>
-            <a:r>
-              <a:rPr lang="fr-FR" baseline="30000" dirty="0">
-                <a:hlinkClick r:id="rId2"/>
+              <a:t>Analyse</a:t>
+            </a:r>
+            <a:r>
+              <a:rPr lang="en-US" b="1" dirty="0">
+                <a:solidFill>
+                  <a:schemeClr val="accent1">
+                    <a:lumMod val="50000"/>
+                  </a:schemeClr>
+                </a:solidFill>
               </a:rPr>
-              <a:t>2</a:t>
-            </a:r>
-            <a:r>
-              <a:rPr lang="fr-FR" dirty="0"/>
-              <a:t>. Les arguments en faveur des ASV se concentrent sur l'utilité d'une </a:t>
-            </a:r>
-            <a:r>
-              <a:rPr lang="fr-FR" b="1" dirty="0"/>
-              <a:t>résolution de séquence plus fine </a:t>
-            </a:r>
-            <a:r>
-              <a:rPr lang="fr-FR" dirty="0"/>
-              <a:t>et sur l'avantage de pouvoir </a:t>
-            </a:r>
-            <a:r>
-              <a:rPr lang="fr-FR" b="1" dirty="0"/>
-              <a:t>comparer facilement des séquences entre différentes études</a:t>
-            </a:r>
-            <a:r>
-              <a:rPr lang="fr-FR" b="1" baseline="30000" dirty="0">
-                <a:hlinkClick r:id="rId3"/>
+              <a:t> bio-</a:t>
+            </a:r>
+            <a:r>
+              <a:rPr lang="en-US" b="1" dirty="0" err="1">
+                <a:solidFill>
+                  <a:schemeClr val="accent1">
+                    <a:lumMod val="50000"/>
+                  </a:schemeClr>
+                </a:solidFill>
               </a:rPr>
-              <a:t>3</a:t>
-            </a:r>
-            <a:r>
-              <a:rPr lang="fr-FR" dirty="0"/>
-              <a:t>. D'autres ont fait valoir que la technologie de séquençage existante n'est souvent pas suffisante pour résoudre avec précision les séquences exactes, et que leur utilisation peut masquer les tendances biologiques qui seraient plus faciles à détecter à l'aide des OTU. De plus, les OTU </a:t>
-            </a:r>
-            <a:r>
-              <a:rPr lang="fr-FR" i="1" dirty="0"/>
-              <a:t>de novo</a:t>
-            </a:r>
-            <a:r>
-              <a:rPr lang="fr-FR" dirty="0"/>
-              <a:t> sont plus lentes à assigner, mais conservent toutes les séquences de l'échantillon et ne présentent aucun risque de biais de référence car elles sont générées sans référence.</a:t>
-            </a:r>
-          </a:p>
-          <a:p>
-            <a:endParaRPr lang="fr-FR" dirty="0"/>
-          </a:p>
-          <a:p>
-            <a:endParaRPr lang="fr-FR" dirty="0"/>
-          </a:p>
-          <a:p>
-            <a:endParaRPr lang="fr-FR" dirty="0"/>
-          </a:p>
-          <a:p>
-            <a:r>
-              <a:rPr lang="fr-FR" sz="2400" b="1" dirty="0"/>
-              <a:t>=&gt; La recherche scientifique avance . Le consensus scientifique n’est pas encore atteint </a:t>
-            </a:r>
-            <a:endParaRPr lang="fr-BE" sz="2400" b="1" dirty="0"/>
+              <a:t>statistique</a:t>
+            </a:r>
+            <a:endParaRPr lang="en-US" b="1" dirty="0">
+              <a:solidFill>
+                <a:schemeClr val="accent1">
+                  <a:lumMod val="50000"/>
+                </a:schemeClr>
+              </a:solidFill>
+            </a:endParaRPr>
           </a:p>
         </p:txBody>
       </p:sp>
     </p:spTree>
     <p:extLst>
       <p:ext uri="{BB962C8B-B14F-4D97-AF65-F5344CB8AC3E}">
-        <p14:creationId xmlns:p14="http://schemas.microsoft.com/office/powerpoint/2010/main" val="1193042851"/>
+        <p14:creationId xmlns:p14="http://schemas.microsoft.com/office/powerpoint/2010/main" val="4201938146"/>
       </p:ext>
     </p:extLst>
   </p:cSld>
@@ -7571,10 +7562,45 @@
       </p:grpSpPr>
       <p:sp>
         <p:nvSpPr>
+          <p:cNvPr id="9" name="Title 1"/>
+          <p:cNvSpPr>
+            <a:spLocks noGrp="1"/>
+          </p:cNvSpPr>
+          <p:nvPr>
+            <p:ph type="title"/>
+          </p:nvPr>
+        </p:nvSpPr>
+        <p:spPr>
+          <a:xfrm>
+            <a:off x="1630250" y="312447"/>
+            <a:ext cx="8229600" cy="458115"/>
+          </a:xfrm>
+        </p:spPr>
+        <p:txBody>
+          <a:bodyPr>
+            <a:noAutofit/>
+          </a:bodyPr>
+          <a:lstStyle/>
+          <a:p>
+            <a:r>
+              <a:rPr lang="en-US" b="1" dirty="0">
+                <a:solidFill>
+                  <a:schemeClr val="accent1">
+                    <a:lumMod val="50000"/>
+                  </a:schemeClr>
+                </a:solidFill>
+              </a:rPr>
+              <a:t>OTUS        VS          ASV</a:t>
+            </a:r>
+          </a:p>
+        </p:txBody>
+      </p:sp>
+      <p:sp>
+        <p:nvSpPr>
           <p:cNvPr id="2" name="ZoneTexte 1">
             <a:extLst>
               <a:ext uri="{FF2B5EF4-FFF2-40B4-BE49-F238E27FC236}">
-                <a16:creationId xmlns:a16="http://schemas.microsoft.com/office/drawing/2014/main" id="{0300892E-4B7F-40FE-B568-D05A92210C9B}"/>
+                <a16:creationId xmlns:a16="http://schemas.microsoft.com/office/drawing/2014/main" id="{1CCCD8D8-DE63-4DED-A895-F86D817BB825}"/>
               </a:ext>
             </a:extLst>
           </p:cNvPr>
@@ -7583,8 +7609,8 @@
         </p:nvSpPr>
         <p:spPr>
           <a:xfrm>
-            <a:off x="-98560" y="-63374"/>
-            <a:ext cx="11922711" cy="646331"/>
+            <a:off x="577049" y="1154097"/>
+            <a:ext cx="10972800" cy="4708981"/>
           </a:xfrm>
           <a:prstGeom prst="rect">
             <a:avLst/>
@@ -7597,6 +7623,156 @@
           </a:bodyPr>
           <a:lstStyle/>
           <a:p>
+            <a:r>
+              <a:rPr lang="fr-FR" dirty="0"/>
+              <a:t>https://fr.wikipedia.org/wiki/Variant_de_s%C3%A9quence_d%27amplicon</a:t>
+            </a:r>
+          </a:p>
+          <a:p>
+            <a:endParaRPr lang="fr-FR" dirty="0"/>
+          </a:p>
+          <a:p>
+            <a:endParaRPr lang="fr-FR" dirty="0"/>
+          </a:p>
+          <a:p>
+            <a:pPr algn="just"/>
+            <a:r>
+              <a:rPr lang="fr-FR" dirty="0"/>
+              <a:t>L'introduction des méthodes ASV a suscité un </a:t>
+            </a:r>
+            <a:r>
+              <a:rPr lang="fr-FR" b="1" dirty="0"/>
+              <a:t>débat</a:t>
+            </a:r>
+            <a:r>
+              <a:rPr lang="fr-FR" dirty="0"/>
+              <a:t> parmi les biologistes moléculaires quant à leur utilité. Certains ont fait valoir que les </a:t>
+            </a:r>
+            <a:r>
+              <a:rPr lang="fr-FR" b="1" dirty="0"/>
+              <a:t>ASV devraient remplacer les OTU </a:t>
+            </a:r>
+            <a:r>
+              <a:rPr lang="fr-FR" dirty="0"/>
+              <a:t>dans l'analyse des gènes marqueurs</a:t>
+            </a:r>
+            <a:r>
+              <a:rPr lang="fr-FR" baseline="30000" dirty="0">
+                <a:hlinkClick r:id="rId2"/>
+              </a:rPr>
+              <a:t>2</a:t>
+            </a:r>
+            <a:r>
+              <a:rPr lang="fr-FR" dirty="0"/>
+              <a:t>. Les arguments en faveur des ASV se concentrent sur l'utilité d'une </a:t>
+            </a:r>
+            <a:r>
+              <a:rPr lang="fr-FR" b="1" dirty="0"/>
+              <a:t>résolution de séquence plus fine </a:t>
+            </a:r>
+            <a:r>
+              <a:rPr lang="fr-FR" dirty="0"/>
+              <a:t>et sur l'avantage de pouvoir </a:t>
+            </a:r>
+            <a:r>
+              <a:rPr lang="fr-FR" b="1" dirty="0"/>
+              <a:t>comparer facilement des séquences entre différentes études</a:t>
+            </a:r>
+            <a:r>
+              <a:rPr lang="fr-FR" b="1" baseline="30000" dirty="0">
+                <a:hlinkClick r:id="rId3"/>
+              </a:rPr>
+              <a:t>3</a:t>
+            </a:r>
+            <a:r>
+              <a:rPr lang="fr-FR" dirty="0"/>
+              <a:t>. D'autres ont fait valoir que la technologie de séquençage existante n'est souvent pas suffisante pour résoudre avec précision les séquences exactes, et que leur utilisation peut masquer les tendances biologiques qui seraient plus faciles à détecter à l'aide des OTU. De plus, les OTU </a:t>
+            </a:r>
+            <a:r>
+              <a:rPr lang="fr-FR" i="1" dirty="0"/>
+              <a:t>de novo</a:t>
+            </a:r>
+            <a:r>
+              <a:rPr lang="fr-FR" dirty="0"/>
+              <a:t> sont plus lentes à assigner, mais conservent toutes les séquences de l'échantillon et ne présentent aucun risque de biais de référence car elles sont générées sans référence.</a:t>
+            </a:r>
+          </a:p>
+          <a:p>
+            <a:endParaRPr lang="fr-FR" dirty="0"/>
+          </a:p>
+          <a:p>
+            <a:endParaRPr lang="fr-FR" dirty="0"/>
+          </a:p>
+          <a:p>
+            <a:endParaRPr lang="fr-FR" dirty="0"/>
+          </a:p>
+          <a:p>
+            <a:r>
+              <a:rPr lang="fr-FR" sz="2400" b="1" dirty="0"/>
+              <a:t>=&gt; La recherche scientifique avance . Le consensus scientifique n’est pas encore atteint </a:t>
+            </a:r>
+            <a:endParaRPr lang="fr-BE" sz="2400" b="1" dirty="0"/>
+          </a:p>
+        </p:txBody>
+      </p:sp>
+    </p:spTree>
+    <p:extLst>
+      <p:ext uri="{BB962C8B-B14F-4D97-AF65-F5344CB8AC3E}">
+        <p14:creationId xmlns:p14="http://schemas.microsoft.com/office/powerpoint/2010/main" val="1193042851"/>
+      </p:ext>
+    </p:extLst>
+  </p:cSld>
+  <p:clrMapOvr>
+    <a:masterClrMapping/>
+  </p:clrMapOvr>
+</p:sld>
+</file>
+
+<file path=ppt/slides/slide9.xml><?xml version="1.0" encoding="utf-8"?>
+<p:sld xmlns:a="http://schemas.openxmlformats.org/drawingml/2006/main" xmlns:r="http://schemas.openxmlformats.org/officeDocument/2006/relationships" xmlns:p="http://schemas.openxmlformats.org/presentationml/2006/main">
+  <p:cSld>
+    <p:spTree>
+      <p:nvGrpSpPr>
+        <p:cNvPr id="1" name=""/>
+        <p:cNvGrpSpPr/>
+        <p:nvPr/>
+      </p:nvGrpSpPr>
+      <p:grpSpPr>
+        <a:xfrm>
+          <a:off x="0" y="0"/>
+          <a:ext cx="0" cy="0"/>
+          <a:chOff x="0" y="0"/>
+          <a:chExt cx="0" cy="0"/>
+        </a:xfrm>
+      </p:grpSpPr>
+      <p:sp>
+        <p:nvSpPr>
+          <p:cNvPr id="2" name="ZoneTexte 1">
+            <a:extLst>
+              <a:ext uri="{FF2B5EF4-FFF2-40B4-BE49-F238E27FC236}">
+                <a16:creationId xmlns:a16="http://schemas.microsoft.com/office/drawing/2014/main" id="{0300892E-4B7F-40FE-B568-D05A92210C9B}"/>
+              </a:ext>
+            </a:extLst>
+          </p:cNvPr>
+          <p:cNvSpPr txBox="1"/>
+          <p:nvPr/>
+        </p:nvSpPr>
+        <p:spPr>
+          <a:xfrm>
+            <a:off x="-98560" y="-63374"/>
+            <a:ext cx="11922711" cy="646331"/>
+          </a:xfrm>
+          <a:prstGeom prst="rect">
+            <a:avLst/>
+          </a:prstGeom>
+          <a:noFill/>
+        </p:spPr>
+        <p:txBody>
+          <a:bodyPr wrap="square" rtlCol="0">
+            <a:spAutoFit/>
+          </a:bodyPr>
+          <a:lstStyle/>
+          <a:p>
             <a:pPr algn="ctr"/>
             <a:r>
               <a:rPr lang="fr-FR" sz="3600" dirty="0">
@@ -7607,26 +7783,6 @@
                 </a:solidFill>
               </a:rPr>
               <a:t>Structure des données – </a:t>
-            </a:r>
-            <a:r>
-              <a:rPr lang="fr-FR" sz="3600" dirty="0" err="1">
-                <a:solidFill>
-                  <a:schemeClr val="accent1">
-                    <a:lumMod val="50000"/>
-                  </a:schemeClr>
-                </a:solidFill>
-              </a:rPr>
-              <a:t>éco-systême</a:t>
-            </a:r>
-            <a:r>
-              <a:rPr lang="fr-FR" sz="3600" dirty="0">
-                <a:solidFill>
-                  <a:schemeClr val="accent1">
-                    <a:lumMod val="50000"/>
-                  </a:schemeClr>
-                </a:solidFill>
-              </a:rPr>
-              <a:t> </a:t>
             </a:r>
             <a:r>
               <a:rPr lang="fr-FR" sz="3600" dirty="0" err="1">
